--- a/KICS_PT/[KICS] 동향 poster - 복사본.pptx
+++ b/KICS_PT/[KICS] 동향 poster - 복사본.pptx
@@ -4,6 +4,9 @@
   <p:sldMasterIdLst>
     <p:sldMasterId id="2147483648" r:id="rId1"/>
   </p:sldMasterIdLst>
+  <p:notesMasterIdLst>
+    <p:notesMasterId r:id="rId17"/>
+  </p:notesMasterIdLst>
   <p:sldIdLst>
     <p:sldId id="256" r:id="rId2"/>
     <p:sldId id="257" r:id="rId3"/>
@@ -124,6 +127,456 @@
     </p:ext>
   </p:extLst>
 </p:presentation>
+</file>
+
+<file path=ppt/notesMasters/notesMaster1.xml><?xml version="1.0" encoding="utf-8"?>
+<p:notesMaster xmlns:a="http://schemas.openxmlformats.org/drawingml/2006/main" xmlns:r="http://schemas.openxmlformats.org/officeDocument/2006/relationships" xmlns:p="http://schemas.openxmlformats.org/presentationml/2006/main">
+  <p:cSld>
+    <p:bg>
+      <p:bgRef idx="1001">
+        <a:schemeClr val="bg1"/>
+      </p:bgRef>
+    </p:bg>
+    <p:spTree>
+      <p:nvGrpSpPr>
+        <p:cNvPr id="1" name=""/>
+        <p:cNvGrpSpPr/>
+        <p:nvPr/>
+      </p:nvGrpSpPr>
+      <p:grpSpPr>
+        <a:xfrm>
+          <a:off x="0" y="0"/>
+          <a:ext cx="0" cy="0"/>
+          <a:chOff x="0" y="0"/>
+          <a:chExt cx="0" cy="0"/>
+        </a:xfrm>
+      </p:grpSpPr>
+      <p:sp>
+        <p:nvSpPr>
+          <p:cNvPr id="2" name="머리글 개체 틀 1"/>
+          <p:cNvSpPr>
+            <a:spLocks noGrp="1"/>
+          </p:cNvSpPr>
+          <p:nvPr>
+            <p:ph type="hdr" sz="quarter"/>
+          </p:nvPr>
+        </p:nvSpPr>
+        <p:spPr>
+          <a:xfrm>
+            <a:off x="0" y="0"/>
+            <a:ext cx="2971800" cy="458788"/>
+          </a:xfrm>
+          <a:prstGeom prst="rect">
+            <a:avLst/>
+          </a:prstGeom>
+        </p:spPr>
+        <p:txBody>
+          <a:bodyPr vert="horz" lIns="91440" tIns="45720" rIns="91440" bIns="45720" rtlCol="0"/>
+          <a:lstStyle>
+            <a:lvl1pPr algn="l">
+              <a:defRPr sz="1200"/>
+            </a:lvl1pPr>
+          </a:lstStyle>
+          <a:p>
+            <a:endParaRPr lang="ko-KR" altLang="en-US"/>
+          </a:p>
+        </p:txBody>
+      </p:sp>
+      <p:sp>
+        <p:nvSpPr>
+          <p:cNvPr id="3" name="날짜 개체 틀 2"/>
+          <p:cNvSpPr>
+            <a:spLocks noGrp="1"/>
+          </p:cNvSpPr>
+          <p:nvPr>
+            <p:ph type="dt" idx="1"/>
+          </p:nvPr>
+        </p:nvSpPr>
+        <p:spPr>
+          <a:xfrm>
+            <a:off x="3884613" y="0"/>
+            <a:ext cx="2971800" cy="458788"/>
+          </a:xfrm>
+          <a:prstGeom prst="rect">
+            <a:avLst/>
+          </a:prstGeom>
+        </p:spPr>
+        <p:txBody>
+          <a:bodyPr vert="horz" lIns="91440" tIns="45720" rIns="91440" bIns="45720" rtlCol="0"/>
+          <a:lstStyle>
+            <a:lvl1pPr algn="r">
+              <a:defRPr sz="1200"/>
+            </a:lvl1pPr>
+          </a:lstStyle>
+          <a:p>
+            <a:fld id="{59E98FAE-0242-4F71-92BB-67B76F3B4277}" type="datetimeFigureOut">
+              <a:rPr lang="ko-KR" altLang="en-US" smtClean="0"/>
+              <a:t>2022-11-09</a:t>
+            </a:fld>
+            <a:endParaRPr lang="ko-KR" altLang="en-US"/>
+          </a:p>
+        </p:txBody>
+      </p:sp>
+      <p:sp>
+        <p:nvSpPr>
+          <p:cNvPr id="4" name="슬라이드 이미지 개체 틀 3"/>
+          <p:cNvSpPr>
+            <a:spLocks noGrp="1" noRot="1" noChangeAspect="1"/>
+          </p:cNvSpPr>
+          <p:nvPr>
+            <p:ph type="sldImg" idx="2"/>
+          </p:nvPr>
+        </p:nvSpPr>
+        <p:spPr>
+          <a:xfrm>
+            <a:off x="685800" y="1143000"/>
+            <a:ext cx="5486400" cy="3086100"/>
+          </a:xfrm>
+          <a:prstGeom prst="rect">
+            <a:avLst/>
+          </a:prstGeom>
+          <a:noFill/>
+          <a:ln w="12700">
+            <a:solidFill>
+              <a:prstClr val="black"/>
+            </a:solidFill>
+          </a:ln>
+        </p:spPr>
+        <p:txBody>
+          <a:bodyPr vert="horz" lIns="91440" tIns="45720" rIns="91440" bIns="45720" rtlCol="0" anchor="ctr"/>
+          <a:lstStyle/>
+          <a:p>
+            <a:endParaRPr lang="ko-KR" altLang="en-US"/>
+          </a:p>
+        </p:txBody>
+      </p:sp>
+      <p:sp>
+        <p:nvSpPr>
+          <p:cNvPr id="5" name="슬라이드 노트 개체 틀 4"/>
+          <p:cNvSpPr>
+            <a:spLocks noGrp="1"/>
+          </p:cNvSpPr>
+          <p:nvPr>
+            <p:ph type="body" sz="quarter" idx="3"/>
+          </p:nvPr>
+        </p:nvSpPr>
+        <p:spPr>
+          <a:xfrm>
+            <a:off x="685800" y="4400550"/>
+            <a:ext cx="5486400" cy="3600450"/>
+          </a:xfrm>
+          <a:prstGeom prst="rect">
+            <a:avLst/>
+          </a:prstGeom>
+        </p:spPr>
+        <p:txBody>
+          <a:bodyPr vert="horz" lIns="91440" tIns="45720" rIns="91440" bIns="45720" rtlCol="0"/>
+          <a:lstStyle/>
+          <a:p>
+            <a:pPr lvl="0"/>
+            <a:r>
+              <a:rPr lang="ko-KR" altLang="en-US" smtClean="0"/>
+              <a:t>마스터 텍스트 스타일 편집</a:t>
+            </a:r>
+          </a:p>
+          <a:p>
+            <a:pPr lvl="1"/>
+            <a:r>
+              <a:rPr lang="ko-KR" altLang="en-US" smtClean="0"/>
+              <a:t>둘째 수준</a:t>
+            </a:r>
+          </a:p>
+          <a:p>
+            <a:pPr lvl="2"/>
+            <a:r>
+              <a:rPr lang="ko-KR" altLang="en-US" smtClean="0"/>
+              <a:t>셋째 수준</a:t>
+            </a:r>
+          </a:p>
+          <a:p>
+            <a:pPr lvl="3"/>
+            <a:r>
+              <a:rPr lang="ko-KR" altLang="en-US" smtClean="0"/>
+              <a:t>넷째 수준</a:t>
+            </a:r>
+          </a:p>
+          <a:p>
+            <a:pPr lvl="4"/>
+            <a:r>
+              <a:rPr lang="ko-KR" altLang="en-US" smtClean="0"/>
+              <a:t>다섯째 수준</a:t>
+            </a:r>
+            <a:endParaRPr lang="ko-KR" altLang="en-US"/>
+          </a:p>
+        </p:txBody>
+      </p:sp>
+      <p:sp>
+        <p:nvSpPr>
+          <p:cNvPr id="6" name="바닥글 개체 틀 5"/>
+          <p:cNvSpPr>
+            <a:spLocks noGrp="1"/>
+          </p:cNvSpPr>
+          <p:nvPr>
+            <p:ph type="ftr" sz="quarter" idx="4"/>
+          </p:nvPr>
+        </p:nvSpPr>
+        <p:spPr>
+          <a:xfrm>
+            <a:off x="0" y="8685213"/>
+            <a:ext cx="2971800" cy="458787"/>
+          </a:xfrm>
+          <a:prstGeom prst="rect">
+            <a:avLst/>
+          </a:prstGeom>
+        </p:spPr>
+        <p:txBody>
+          <a:bodyPr vert="horz" lIns="91440" tIns="45720" rIns="91440" bIns="45720" rtlCol="0" anchor="b"/>
+          <a:lstStyle>
+            <a:lvl1pPr algn="l">
+              <a:defRPr sz="1200"/>
+            </a:lvl1pPr>
+          </a:lstStyle>
+          <a:p>
+            <a:endParaRPr lang="ko-KR" altLang="en-US"/>
+          </a:p>
+        </p:txBody>
+      </p:sp>
+      <p:sp>
+        <p:nvSpPr>
+          <p:cNvPr id="7" name="슬라이드 번호 개체 틀 6"/>
+          <p:cNvSpPr>
+            <a:spLocks noGrp="1"/>
+          </p:cNvSpPr>
+          <p:nvPr>
+            <p:ph type="sldNum" sz="quarter" idx="5"/>
+          </p:nvPr>
+        </p:nvSpPr>
+        <p:spPr>
+          <a:xfrm>
+            <a:off x="3884613" y="8685213"/>
+            <a:ext cx="2971800" cy="458787"/>
+          </a:xfrm>
+          <a:prstGeom prst="rect">
+            <a:avLst/>
+          </a:prstGeom>
+        </p:spPr>
+        <p:txBody>
+          <a:bodyPr vert="horz" lIns="91440" tIns="45720" rIns="91440" bIns="45720" rtlCol="0" anchor="b"/>
+          <a:lstStyle>
+            <a:lvl1pPr algn="r">
+              <a:defRPr sz="1200"/>
+            </a:lvl1pPr>
+          </a:lstStyle>
+          <a:p>
+            <a:fld id="{9B9E7A45-CA1A-48C0-B157-ABAAA48AEF4D}" type="slidenum">
+              <a:rPr lang="ko-KR" altLang="en-US" smtClean="0"/>
+              <a:t>‹#›</a:t>
+            </a:fld>
+            <a:endParaRPr lang="ko-KR" altLang="en-US"/>
+          </a:p>
+        </p:txBody>
+      </p:sp>
+    </p:spTree>
+    <p:extLst>
+      <p:ext uri="{BB962C8B-B14F-4D97-AF65-F5344CB8AC3E}">
+        <p14:creationId xmlns:p14="http://schemas.microsoft.com/office/powerpoint/2010/main" val="2110711216"/>
+      </p:ext>
+    </p:extLst>
+  </p:cSld>
+  <p:clrMap bg1="lt1" tx1="dk1" bg2="lt2" tx2="dk2" accent1="accent1" accent2="accent2" accent3="accent3" accent4="accent4" accent5="accent5" accent6="accent6" hlink="hlink" folHlink="folHlink"/>
+  <p:notesStyle>
+    <a:lvl1pPr marL="0" algn="l" defTabSz="914400" rtl="0" eaLnBrk="1" latinLnBrk="1" hangingPunct="1">
+      <a:defRPr sz="1200" kern="1200">
+        <a:solidFill>
+          <a:schemeClr val="tx1"/>
+        </a:solidFill>
+        <a:latin typeface="+mn-lt"/>
+        <a:ea typeface="+mn-ea"/>
+        <a:cs typeface="+mn-cs"/>
+      </a:defRPr>
+    </a:lvl1pPr>
+    <a:lvl2pPr marL="457200" algn="l" defTabSz="914400" rtl="0" eaLnBrk="1" latinLnBrk="1" hangingPunct="1">
+      <a:defRPr sz="1200" kern="1200">
+        <a:solidFill>
+          <a:schemeClr val="tx1"/>
+        </a:solidFill>
+        <a:latin typeface="+mn-lt"/>
+        <a:ea typeface="+mn-ea"/>
+        <a:cs typeface="+mn-cs"/>
+      </a:defRPr>
+    </a:lvl2pPr>
+    <a:lvl3pPr marL="914400" algn="l" defTabSz="914400" rtl="0" eaLnBrk="1" latinLnBrk="1" hangingPunct="1">
+      <a:defRPr sz="1200" kern="1200">
+        <a:solidFill>
+          <a:schemeClr val="tx1"/>
+        </a:solidFill>
+        <a:latin typeface="+mn-lt"/>
+        <a:ea typeface="+mn-ea"/>
+        <a:cs typeface="+mn-cs"/>
+      </a:defRPr>
+    </a:lvl3pPr>
+    <a:lvl4pPr marL="1371600" algn="l" defTabSz="914400" rtl="0" eaLnBrk="1" latinLnBrk="1" hangingPunct="1">
+      <a:defRPr sz="1200" kern="1200">
+        <a:solidFill>
+          <a:schemeClr val="tx1"/>
+        </a:solidFill>
+        <a:latin typeface="+mn-lt"/>
+        <a:ea typeface="+mn-ea"/>
+        <a:cs typeface="+mn-cs"/>
+      </a:defRPr>
+    </a:lvl4pPr>
+    <a:lvl5pPr marL="1828800" algn="l" defTabSz="914400" rtl="0" eaLnBrk="1" latinLnBrk="1" hangingPunct="1">
+      <a:defRPr sz="1200" kern="1200">
+        <a:solidFill>
+          <a:schemeClr val="tx1"/>
+        </a:solidFill>
+        <a:latin typeface="+mn-lt"/>
+        <a:ea typeface="+mn-ea"/>
+        <a:cs typeface="+mn-cs"/>
+      </a:defRPr>
+    </a:lvl5pPr>
+    <a:lvl6pPr marL="2286000" algn="l" defTabSz="914400" rtl="0" eaLnBrk="1" latinLnBrk="1" hangingPunct="1">
+      <a:defRPr sz="1200" kern="1200">
+        <a:solidFill>
+          <a:schemeClr val="tx1"/>
+        </a:solidFill>
+        <a:latin typeface="+mn-lt"/>
+        <a:ea typeface="+mn-ea"/>
+        <a:cs typeface="+mn-cs"/>
+      </a:defRPr>
+    </a:lvl6pPr>
+    <a:lvl7pPr marL="2743200" algn="l" defTabSz="914400" rtl="0" eaLnBrk="1" latinLnBrk="1" hangingPunct="1">
+      <a:defRPr sz="1200" kern="1200">
+        <a:solidFill>
+          <a:schemeClr val="tx1"/>
+        </a:solidFill>
+        <a:latin typeface="+mn-lt"/>
+        <a:ea typeface="+mn-ea"/>
+        <a:cs typeface="+mn-cs"/>
+      </a:defRPr>
+    </a:lvl7pPr>
+    <a:lvl8pPr marL="3200400" algn="l" defTabSz="914400" rtl="0" eaLnBrk="1" latinLnBrk="1" hangingPunct="1">
+      <a:defRPr sz="1200" kern="1200">
+        <a:solidFill>
+          <a:schemeClr val="tx1"/>
+        </a:solidFill>
+        <a:latin typeface="+mn-lt"/>
+        <a:ea typeface="+mn-ea"/>
+        <a:cs typeface="+mn-cs"/>
+      </a:defRPr>
+    </a:lvl8pPr>
+    <a:lvl9pPr marL="3657600" algn="l" defTabSz="914400" rtl="0" eaLnBrk="1" latinLnBrk="1" hangingPunct="1">
+      <a:defRPr sz="1200" kern="1200">
+        <a:solidFill>
+          <a:schemeClr val="tx1"/>
+        </a:solidFill>
+        <a:latin typeface="+mn-lt"/>
+        <a:ea typeface="+mn-ea"/>
+        <a:cs typeface="+mn-cs"/>
+      </a:defRPr>
+    </a:lvl9pPr>
+  </p:notesStyle>
+</p:notesMaster>
+</file>
+
+<file path=ppt/notesSlides/notesSlide1.xml><?xml version="1.0" encoding="utf-8"?>
+<p:notes xmlns:a="http://schemas.openxmlformats.org/drawingml/2006/main" xmlns:r="http://schemas.openxmlformats.org/officeDocument/2006/relationships" xmlns:p="http://schemas.openxmlformats.org/presentationml/2006/main">
+  <p:cSld>
+    <p:spTree>
+      <p:nvGrpSpPr>
+        <p:cNvPr id="1" name=""/>
+        <p:cNvGrpSpPr/>
+        <p:nvPr/>
+      </p:nvGrpSpPr>
+      <p:grpSpPr>
+        <a:xfrm>
+          <a:off x="0" y="0"/>
+          <a:ext cx="0" cy="0"/>
+          <a:chOff x="0" y="0"/>
+          <a:chExt cx="0" cy="0"/>
+        </a:xfrm>
+      </p:grpSpPr>
+      <p:sp>
+        <p:nvSpPr>
+          <p:cNvPr id="2" name="슬라이드 이미지 개체 틀 1"/>
+          <p:cNvSpPr>
+            <a:spLocks noGrp="1" noRot="1" noChangeAspect="1"/>
+          </p:cNvSpPr>
+          <p:nvPr>
+            <p:ph type="sldImg"/>
+          </p:nvPr>
+        </p:nvSpPr>
+        <p:spPr/>
+      </p:sp>
+      <p:sp>
+        <p:nvSpPr>
+          <p:cNvPr id="3" name="슬라이드 노트 개체 틀 2"/>
+          <p:cNvSpPr>
+            <a:spLocks noGrp="1"/>
+          </p:cNvSpPr>
+          <p:nvPr>
+            <p:ph type="body" idx="1"/>
+          </p:nvPr>
+        </p:nvSpPr>
+        <p:spPr/>
+        <p:txBody>
+          <a:bodyPr/>
+          <a:lstStyle/>
+          <a:p>
+            <a:r>
+              <a:rPr lang="ko-KR" altLang="en-US" dirty="0" err="1" smtClean="0"/>
+              <a:t>볼드체</a:t>
+            </a:r>
+            <a:r>
+              <a:rPr lang="ko-KR" altLang="en-US" dirty="0" smtClean="0"/>
+              <a:t> 검은 글씨로 </a:t>
+            </a:r>
+            <a:r>
+              <a:rPr lang="ko-KR" altLang="en-US" dirty="0" err="1" smtClean="0"/>
+              <a:t>부탁쓰</a:t>
+            </a:r>
+            <a:r>
+              <a:rPr lang="ko-KR" altLang="en-US" dirty="0" smtClean="0"/>
+              <a:t> </a:t>
+            </a:r>
+            <a:endParaRPr lang="ko-KR" altLang="en-US" dirty="0"/>
+          </a:p>
+        </p:txBody>
+      </p:sp>
+      <p:sp>
+        <p:nvSpPr>
+          <p:cNvPr id="4" name="슬라이드 번호 개체 틀 3"/>
+          <p:cNvSpPr>
+            <a:spLocks noGrp="1"/>
+          </p:cNvSpPr>
+          <p:nvPr>
+            <p:ph type="sldNum" sz="quarter" idx="10"/>
+          </p:nvPr>
+        </p:nvSpPr>
+        <p:spPr/>
+        <p:txBody>
+          <a:bodyPr/>
+          <a:lstStyle/>
+          <a:p>
+            <a:fld id="{9B9E7A45-CA1A-48C0-B157-ABAAA48AEF4D}" type="slidenum">
+              <a:rPr lang="ko-KR" altLang="en-US" smtClean="0"/>
+              <a:t>6</a:t>
+            </a:fld>
+            <a:endParaRPr lang="ko-KR" altLang="en-US"/>
+          </a:p>
+        </p:txBody>
+      </p:sp>
+    </p:spTree>
+    <p:extLst>
+      <p:ext uri="{BB962C8B-B14F-4D97-AF65-F5344CB8AC3E}">
+        <p14:creationId xmlns:p14="http://schemas.microsoft.com/office/powerpoint/2010/main" val="3347533470"/>
+      </p:ext>
+    </p:extLst>
+  </p:cSld>
+  <p:clrMapOvr>
+    <a:masterClrMapping/>
+  </p:clrMapOvr>
+</p:notes>
 </file>
 
 <file path=ppt/slideLayouts/slideLayout1.xml><?xml version="1.0" encoding="utf-8"?>
@@ -3433,6 +3886,14 @@
               </a:rPr>
               <a:t>기계학습을 기반한 일사량 예측 기법의 연구동향 분석</a:t>
             </a:r>
+            <a:r>
+              <a:rPr lang="en-US" altLang="ko-KR" sz="3700" b="1" dirty="0">
+                <a:solidFill>
+                  <a:schemeClr val="bg1"/>
+                </a:solidFill>
+              </a:rPr>
+              <a:t/>
+            </a:r>
             <a:br>
               <a:rPr lang="en-US" altLang="ko-KR" sz="3700" b="1" dirty="0">
                 <a:solidFill>
@@ -3448,6 +3909,14 @@
               </a:rPr>
               <a:t>    </a:t>
             </a:r>
+            <a:r>
+              <a:rPr lang="en-US" altLang="ko-KR" sz="4000" b="1" dirty="0">
+                <a:solidFill>
+                  <a:schemeClr val="bg1"/>
+                </a:solidFill>
+              </a:rPr>
+              <a:t/>
+            </a:r>
             <a:br>
               <a:rPr lang="en-US" altLang="ko-KR" sz="4000" b="1" dirty="0">
                 <a:solidFill>
@@ -3462,6 +3931,14 @@
                 </a:solidFill>
               </a:rPr>
               <a:t>A Literature Survey of Machine Learning-Based Solar Irradiance Forecasting Methods</a:t>
+            </a:r>
+            <a:r>
+              <a:rPr lang="en-US" altLang="ko-KR" sz="1800" b="1" dirty="0">
+                <a:solidFill>
+                  <a:schemeClr val="bg1"/>
+                </a:solidFill>
+              </a:rPr>
+              <a:t/>
             </a:r>
             <a:br>
               <a:rPr lang="en-US" altLang="ko-KR" sz="1800" b="1" dirty="0">
@@ -3770,6 +4247,13 @@
   <p:clrMapOvr>
     <a:masterClrMapping/>
   </p:clrMapOvr>
+  <p:timing>
+    <p:tnLst>
+      <p:par>
+        <p:cTn id="1" dur="indefinite" restart="never" nodeType="tmRoot"/>
+      </p:par>
+    </p:tnLst>
+  </p:timing>
 </p:sld>
 </file>
 
@@ -4358,7 +4842,7 @@
         <p:spPr>
           <a:xfrm>
             <a:off x="810887" y="1599908"/>
-            <a:ext cx="6757427" cy="1700787"/>
+            <a:ext cx="6049028" cy="1661993"/>
           </a:xfrm>
           <a:prstGeom prst="rect">
             <a:avLst/>
@@ -4379,19 +4863,19 @@
               <a:buChar char="-"/>
             </a:pPr>
             <a:r>
-              <a:rPr lang="ko-KR" altLang="en-US" b="1" dirty="0"/>
+              <a:rPr lang="ko-KR" altLang="en-US" sz="1600" b="1" dirty="0"/>
               <a:t>조건부 랜덤 </a:t>
             </a:r>
             <a:r>
-              <a:rPr lang="ko-KR" altLang="en-US" b="1" dirty="0" err="1"/>
+              <a:rPr lang="ko-KR" altLang="en-US" sz="1600" b="1" dirty="0" err="1"/>
               <a:t>포레스트</a:t>
             </a:r>
             <a:r>
-              <a:rPr lang="ko-KR" altLang="en-US" b="1" dirty="0"/>
+              <a:rPr lang="ko-KR" altLang="en-US" sz="1600" b="1" dirty="0"/>
               <a:t> </a:t>
             </a:r>
             <a:r>
-              <a:rPr lang="en-US" altLang="ko-KR" b="1" dirty="0"/>
+              <a:rPr lang="en-US" altLang="ko-KR" sz="1600" b="1" dirty="0"/>
               <a:t>( Conditional Random Forests CRF )</a:t>
             </a:r>
           </a:p>
@@ -4404,19 +4888,19 @@
               <a:buChar char="-"/>
             </a:pPr>
             <a:r>
-              <a:rPr lang="ko-KR" altLang="en-US" dirty="0"/>
+              <a:rPr lang="ko-KR" altLang="en-US" sz="1600" dirty="0"/>
               <a:t>랜덤 </a:t>
             </a:r>
             <a:r>
-              <a:rPr lang="ko-KR" altLang="en-US" dirty="0" err="1"/>
+              <a:rPr lang="ko-KR" altLang="en-US" sz="1600" dirty="0" err="1"/>
               <a:t>포레스트</a:t>
             </a:r>
             <a:r>
-              <a:rPr lang="ko-KR" altLang="en-US" dirty="0"/>
+              <a:rPr lang="ko-KR" altLang="en-US" sz="1600" dirty="0"/>
               <a:t> </a:t>
             </a:r>
             <a:r>
-              <a:rPr lang="en-US" altLang="ko-KR" dirty="0"/>
+              <a:rPr lang="en-US" altLang="ko-KR" sz="1600" dirty="0"/>
               <a:t>( Random Forest RF )</a:t>
             </a:r>
           </a:p>
@@ -4441,7 +4925,6 @@
                 <a:solidFill>
                   <a:srgbClr val="000000"/>
                 </a:solidFill>
-                <a:latin typeface="noto"/>
               </a:rPr>
               <a:t>Decision Tree</a:t>
             </a:r>
@@ -4475,6 +4958,13 @@
   <p:clrMapOvr>
     <a:masterClrMapping/>
   </p:clrMapOvr>
+  <p:timing>
+    <p:tnLst>
+      <p:par>
+        <p:cTn id="1" dur="indefinite" restart="never" nodeType="tmRoot"/>
+      </p:par>
+    </p:tnLst>
+  </p:timing>
 </p:sld>
 </file>
 
@@ -4811,8 +5301,8 @@
         </p:blipFill>
         <p:spPr>
           <a:xfrm>
-            <a:off x="2544127" y="3053736"/>
-            <a:ext cx="7103745" cy="2737656"/>
+            <a:off x="2684121" y="3047536"/>
+            <a:ext cx="6846058" cy="2638348"/>
           </a:xfrm>
           <a:prstGeom prst="rect">
             <a:avLst/>
@@ -4940,6 +5430,13 @@
   <p:clrMapOvr>
     <a:masterClrMapping/>
   </p:clrMapOvr>
+  <p:timing>
+    <p:tnLst>
+      <p:par>
+        <p:cTn id="1" dur="indefinite" restart="never" nodeType="tmRoot"/>
+      </p:par>
+    </p:tnLst>
+  </p:timing>
 </p:sld>
 </file>
 
@@ -6123,8 +6620,8 @@
         </p:blipFill>
         <p:spPr>
           <a:xfrm>
-            <a:off x="5957557" y="2740661"/>
-            <a:ext cx="5804193" cy="2067870"/>
+            <a:off x="6481556" y="2740661"/>
+            <a:ext cx="5280194" cy="1881184"/>
           </a:xfrm>
           <a:prstGeom prst="rect">
             <a:avLst/>
@@ -6502,7 +6999,7 @@
         <p:spPr>
           <a:xfrm>
             <a:off x="430249" y="1371599"/>
-            <a:ext cx="11195694" cy="3362780"/>
+            <a:ext cx="11353801" cy="3831818"/>
           </a:xfrm>
           <a:prstGeom prst="rect">
             <a:avLst/>
@@ -6532,7 +7029,169 @@
               <a:rPr lang="ko-KR" altLang="en-US" b="1" dirty="0">
                 <a:effectLst/>
               </a:rPr>
-              <a:t>일사량 예측 모델 구성에 관한 사례를 소개</a:t>
+              <a:t>일사량 예측 모델 구성에 관한 사례를 </a:t>
+            </a:r>
+            <a:r>
+              <a:rPr lang="ko-KR" altLang="en-US" b="1" dirty="0" smtClean="0">
+                <a:effectLst/>
+              </a:rPr>
+              <a:t>소개함 </a:t>
+            </a:r>
+            <a:r>
+              <a:rPr lang="en-US" altLang="ko-KR" b="1" dirty="0" smtClean="0">
+                <a:effectLst/>
+              </a:rPr>
+              <a:t>/</a:t>
+            </a:r>
+            <a:endParaRPr lang="en-US" altLang="ko-KR" b="1" dirty="0">
+              <a:effectLst/>
+            </a:endParaRPr>
+          </a:p>
+          <a:p>
+            <a:pPr marL="342900" indent="-342900">
+              <a:lnSpc>
+                <a:spcPct val="150000"/>
+              </a:lnSpc>
+              <a:buFontTx/>
+              <a:buChar char="-"/>
+            </a:pPr>
+            <a:r>
+              <a:rPr lang="en-US" altLang="ko-KR" b="1" dirty="0" smtClean="0"/>
+              <a:t>(</a:t>
+            </a:r>
+            <a:r>
+              <a:rPr lang="ko-KR" altLang="en-US" b="1" dirty="0" err="1" smtClean="0"/>
+              <a:t>기계학습을</a:t>
+            </a:r>
+            <a:r>
+              <a:rPr lang="ko-KR" altLang="en-US" b="1" dirty="0" smtClean="0"/>
+              <a:t> </a:t>
+            </a:r>
+            <a:r>
+              <a:rPr lang="ko-KR" altLang="en-US" b="1" dirty="0"/>
+              <a:t>기반한 일사량 예측 기법의 </a:t>
+            </a:r>
+            <a:r>
+              <a:rPr lang="ko-KR" altLang="en-US" b="1" dirty="0" smtClean="0"/>
+              <a:t>연구동향을 분석함</a:t>
+            </a:r>
+            <a:r>
+              <a:rPr lang="en-US" altLang="ko-KR" b="1" dirty="0" smtClean="0"/>
+              <a:t>)</a:t>
+            </a:r>
+            <a:endParaRPr lang="en-US" altLang="ko-KR" dirty="0" smtClean="0">
+              <a:effectLst/>
+            </a:endParaRPr>
+          </a:p>
+          <a:p>
+            <a:pPr marL="342900" indent="-342900">
+              <a:lnSpc>
+                <a:spcPct val="150000"/>
+              </a:lnSpc>
+              <a:buFontTx/>
+              <a:buChar char="-"/>
+            </a:pPr>
+            <a:endParaRPr lang="en-US" altLang="ko-KR" dirty="0" smtClean="0">
+              <a:effectLst/>
+            </a:endParaRPr>
+          </a:p>
+          <a:p>
+            <a:pPr marL="342900" indent="-342900">
+              <a:lnSpc>
+                <a:spcPct val="150000"/>
+              </a:lnSpc>
+              <a:buFontTx/>
+              <a:buChar char="-"/>
+            </a:pPr>
+            <a:r>
+              <a:rPr lang="ko-KR" altLang="en-US" b="1" dirty="0" smtClean="0">
+                <a:effectLst/>
+              </a:rPr>
+              <a:t>앙상블 </a:t>
+            </a:r>
+            <a:r>
+              <a:rPr lang="ko-KR" altLang="en-US" b="1" dirty="0">
+                <a:effectLst/>
+              </a:rPr>
+              <a:t>학습 </a:t>
+            </a:r>
+            <a:r>
+              <a:rPr lang="ko-KR" altLang="en-US" b="1" dirty="0" smtClean="0">
+                <a:effectLst/>
+              </a:rPr>
+              <a:t>기법은 </a:t>
+            </a:r>
+            <a:r>
+              <a:rPr lang="en-US" altLang="ko-KR" b="1" dirty="0" smtClean="0">
+                <a:effectLst/>
+              </a:rPr>
+              <a:t>(</a:t>
+            </a:r>
+            <a:r>
+              <a:rPr lang="ko-KR" altLang="en-US" b="1" dirty="0" err="1" smtClean="0">
+                <a:effectLst/>
+              </a:rPr>
+              <a:t>추가설명</a:t>
+            </a:r>
+            <a:r>
+              <a:rPr lang="en-US" altLang="ko-KR" b="1" dirty="0" smtClean="0">
+                <a:effectLst/>
+              </a:rPr>
+              <a:t>)</a:t>
+            </a:r>
+            <a:r>
+              <a:rPr lang="ko-KR" altLang="en-US" b="1" dirty="0" smtClean="0">
+                <a:effectLst/>
+              </a:rPr>
+              <a:t> 우수한 </a:t>
+            </a:r>
+            <a:r>
+              <a:rPr lang="ko-KR" altLang="en-US" b="1" dirty="0">
+                <a:effectLst/>
+              </a:rPr>
+              <a:t>예측 성능</a:t>
+            </a:r>
+            <a:r>
+              <a:rPr lang="ko-KR" altLang="en-US" dirty="0">
+                <a:effectLst/>
+              </a:rPr>
+              <a:t>을 도출할 수 있을 뿐만 아니라 </a:t>
+            </a:r>
+            <a:r>
+              <a:rPr lang="ko-KR" altLang="en-US" b="1" dirty="0">
+                <a:effectLst/>
+              </a:rPr>
+              <a:t>변수 중요도</a:t>
+            </a:r>
+            <a:r>
+              <a:rPr lang="ko-KR" altLang="en-US" dirty="0">
+                <a:effectLst/>
+              </a:rPr>
+              <a:t>를 통해 어떤 독립변수가 모델 구성에 중요한지를 </a:t>
+            </a:r>
+            <a:r>
+              <a:rPr lang="ko-KR" altLang="en-US" b="1" dirty="0">
+                <a:effectLst/>
+              </a:rPr>
+              <a:t>해석</a:t>
+            </a:r>
+            <a:r>
+              <a:rPr lang="ko-KR" altLang="en-US" dirty="0">
+                <a:effectLst/>
+              </a:rPr>
+              <a:t>할 수 있다는 </a:t>
+            </a:r>
+            <a:r>
+              <a:rPr lang="ko-KR" altLang="en-US" b="1" dirty="0">
+                <a:effectLst/>
+              </a:rPr>
+              <a:t>장점</a:t>
+            </a:r>
+            <a:r>
+              <a:rPr lang="ko-KR" altLang="en-US" dirty="0">
+                <a:effectLst/>
+              </a:rPr>
+              <a:t>이 있음</a:t>
             </a:r>
             <a:endParaRPr lang="en-US" altLang="ko-KR" dirty="0">
               <a:effectLst/>
@@ -6562,105 +7221,21 @@
               <a:rPr lang="ko-KR" altLang="en-US" b="1" dirty="0">
                 <a:effectLst/>
               </a:rPr>
-              <a:t>앙상블 학습 기법은 우수한 예측 성능</a:t>
+              <a:t>심층 학습</a:t>
             </a:r>
             <a:r>
               <a:rPr lang="ko-KR" altLang="en-US" dirty="0">
                 <a:effectLst/>
               </a:rPr>
-              <a:t>을 도출할 수 있을 뿐만 아니라 </a:t>
+              <a:t>은 이미지와 같이 테이블형식이 아닌 데이터에서도 </a:t>
             </a:r>
             <a:r>
               <a:rPr lang="ko-KR" altLang="en-US" b="1" dirty="0">
                 <a:effectLst/>
               </a:rPr>
-              <a:t>변수 중요도</a:t>
-            </a:r>
-            <a:r>
-              <a:rPr lang="ko-KR" altLang="en-US" dirty="0">
-                <a:effectLst/>
-              </a:rPr>
-              <a:t>를 통해 어떤 독립변수가 모델 구성에 중요한지를 </a:t>
-            </a:r>
-            <a:r>
-              <a:rPr lang="ko-KR" altLang="en-US" b="1" dirty="0">
-                <a:effectLst/>
-              </a:rPr>
-              <a:t>해석</a:t>
-            </a:r>
-            <a:r>
-              <a:rPr lang="ko-KR" altLang="en-US" dirty="0">
-                <a:effectLst/>
-              </a:rPr>
-              <a:t>할 수 있다는 </a:t>
-            </a:r>
-            <a:r>
-              <a:rPr lang="ko-KR" altLang="en-US" b="1" dirty="0">
-                <a:effectLst/>
-              </a:rPr>
-              <a:t>장점</a:t>
-            </a:r>
-            <a:r>
-              <a:rPr lang="ko-KR" altLang="en-US" dirty="0">
-                <a:effectLst/>
-              </a:rPr>
-              <a:t>이 있음</a:t>
-            </a:r>
-            <a:endParaRPr lang="en-US" altLang="ko-KR" dirty="0">
-              <a:effectLst/>
-            </a:endParaRPr>
-          </a:p>
-          <a:p>
-            <a:pPr marL="342900" indent="-342900">
-              <a:lnSpc>
-                <a:spcPct val="150000"/>
-              </a:lnSpc>
-              <a:buFontTx/>
-              <a:buChar char="-"/>
-            </a:pPr>
-            <a:endParaRPr lang="en-US" altLang="ko-KR" dirty="0">
-              <a:effectLst/>
-            </a:endParaRPr>
-          </a:p>
-          <a:p>
-            <a:pPr marL="342900" indent="-342900">
-              <a:lnSpc>
-                <a:spcPct val="150000"/>
-              </a:lnSpc>
-              <a:buFontTx/>
-              <a:buChar char="-"/>
-            </a:pPr>
-            <a:r>
-              <a:rPr lang="ko-KR" altLang="en-US" b="1" dirty="0">
-                <a:effectLst/>
-              </a:rPr>
-              <a:t>심층 학습</a:t>
-            </a:r>
-            <a:r>
-              <a:rPr lang="ko-KR" altLang="en-US" dirty="0">
-                <a:effectLst/>
-              </a:rPr>
-              <a:t>은 이미지와 같이 테이블형식이 아닌 데이터에서도 </a:t>
-            </a:r>
-            <a:r>
-              <a:rPr lang="ko-KR" altLang="en-US" b="1" dirty="0">
-                <a:effectLst/>
-              </a:rPr>
-              <a:t>특징을 추출하여 정확한 일사량 예측을 수행</a:t>
-            </a:r>
-            <a:r>
-              <a:rPr lang="ko-KR" altLang="en-US" dirty="0">
-                <a:effectLst/>
-              </a:rPr>
-              <a:t>할 수 있음을 </a:t>
-            </a:r>
-            <a:r>
-              <a:rPr lang="ko-KR" altLang="en-US" b="1" dirty="0">
-                <a:effectLst/>
-              </a:rPr>
-              <a:t>확인</a:t>
-            </a:r>
-            <a:endParaRPr lang="ko-KR" altLang="en-US" dirty="0"/>
+              <a:t>특징을 추출하여 정확한 일사량 예측을 수행할 수 있음을 확인</a:t>
+            </a:r>
+            <a:endParaRPr lang="ko-KR" altLang="en-US" b="1" dirty="0"/>
           </a:p>
         </p:txBody>
       </p:sp>
@@ -7444,6 +8019,13 @@
   <p:clrMapOvr>
     <a:masterClrMapping/>
   </p:clrMapOvr>
+  <p:timing>
+    <p:tnLst>
+      <p:par>
+        <p:cTn id="1" dur="indefinite" restart="never" nodeType="tmRoot"/>
+      </p:par>
+    </p:tnLst>
+  </p:timing>
 </p:sld>
 </file>
 
@@ -9232,6 +9814,13 @@
   <p:clrMapOvr>
     <a:masterClrMapping/>
   </p:clrMapOvr>
+  <p:timing>
+    <p:tnLst>
+      <p:par>
+        <p:cTn id="1" dur="indefinite" restart="never" nodeType="tmRoot"/>
+      </p:par>
+    </p:tnLst>
+  </p:timing>
 </p:sld>
 </file>
 
@@ -9767,7 +10356,7 @@
         <p:spPr>
           <a:xfrm>
             <a:off x="1099038" y="5626718"/>
-            <a:ext cx="3007613" cy="246221"/>
+            <a:ext cx="3138854" cy="246221"/>
           </a:xfrm>
           <a:prstGeom prst="rect">
             <a:avLst/>
@@ -9782,42 +10371,30 @@
           <a:p>
             <a:pPr algn="r"/>
             <a:r>
-              <a:rPr lang="en-US" altLang="ko-KR" sz="1000">
-                <a:solidFill>
-                  <a:srgbClr val="495057"/>
-                </a:solidFill>
+              <a:rPr lang="en-US" altLang="ko-KR" sz="1000" b="1" dirty="0">
                 <a:latin typeface="Inter"/>
               </a:rPr>
               <a:t>2022</a:t>
             </a:r>
             <a:r>
-              <a:rPr lang="ko-KR" altLang="en-US" sz="1000">
-                <a:solidFill>
-                  <a:srgbClr val="495057"/>
-                </a:solidFill>
+              <a:rPr lang="ko-KR" altLang="en-US" sz="1000" b="1" dirty="0">
                 <a:latin typeface="Inter"/>
               </a:rPr>
               <a:t>년</a:t>
             </a:r>
             <a:r>
-              <a:rPr lang="en-US" altLang="ko-KR" sz="1000">
-                <a:solidFill>
-                  <a:srgbClr val="495057"/>
-                </a:solidFill>
+              <a:rPr lang="en-US" altLang="ko-KR" sz="1000" b="1" dirty="0">
                 <a:latin typeface="Inter"/>
               </a:rPr>
               <a:t> Electric Power Journal </a:t>
             </a:r>
             <a:r>
-              <a:rPr lang="ko-KR" altLang="en-US" sz="1000">
-                <a:solidFill>
-                  <a:srgbClr val="495057"/>
-                </a:solidFill>
+              <a:rPr lang="ko-KR" altLang="en-US" sz="1000" b="1" dirty="0">
                 <a:latin typeface="Inter"/>
               </a:rPr>
               <a:t>기사 정부 통계 자료</a:t>
             </a:r>
-            <a:endParaRPr lang="ko-KR" altLang="en-US" sz="1000"/>
+            <a:endParaRPr lang="ko-KR" altLang="en-US" sz="1000" b="1" dirty="0"/>
           </a:p>
         </p:txBody>
       </p:sp>
@@ -9913,42 +10490,30 @@
           <a:p>
             <a:pPr algn="r"/>
             <a:r>
-              <a:rPr lang="en-US" altLang="ko-KR" sz="1000">
-                <a:solidFill>
-                  <a:srgbClr val="495057"/>
-                </a:solidFill>
+              <a:rPr lang="en-US" altLang="ko-KR" sz="1000" b="1" dirty="0">
                 <a:latin typeface="Inter"/>
               </a:rPr>
               <a:t>[</a:t>
             </a:r>
             <a:r>
-              <a:rPr lang="ko-KR" altLang="en-US" sz="1000">
-                <a:solidFill>
-                  <a:srgbClr val="495057"/>
-                </a:solidFill>
+              <a:rPr lang="ko-KR" altLang="en-US" sz="1000" b="1" dirty="0">
                 <a:latin typeface="Inter"/>
               </a:rPr>
               <a:t>사진</a:t>
             </a:r>
             <a:r>
-              <a:rPr lang="en-US" altLang="ko-KR" sz="1000">
-                <a:solidFill>
-                  <a:srgbClr val="495057"/>
-                </a:solidFill>
+              <a:rPr lang="en-US" altLang="ko-KR" sz="1000" b="1" dirty="0">
                 <a:latin typeface="Inter"/>
               </a:rPr>
               <a:t>] </a:t>
             </a:r>
             <a:r>
-              <a:rPr lang="ko-KR" altLang="en-US" sz="1000">
-                <a:solidFill>
-                  <a:srgbClr val="495057"/>
-                </a:solidFill>
+              <a:rPr lang="ko-KR" altLang="en-US" sz="1000" b="1" dirty="0">
                 <a:latin typeface="Inter"/>
               </a:rPr>
               <a:t>게티이미지뱅크</a:t>
             </a:r>
-            <a:endParaRPr lang="ko-KR" altLang="en-US" sz="1000"/>
+            <a:endParaRPr lang="ko-KR" altLang="en-US" sz="1000" b="1" dirty="0"/>
           </a:p>
         </p:txBody>
       </p:sp>
@@ -10064,16 +10629,20 @@
             <a:p>
               <a:pPr algn="r"/>
               <a:r>
-                <a:rPr lang="ko-KR" altLang="en-US" sz="1000" b="0" i="0">
-                  <a:solidFill>
-                    <a:srgbClr val="222222"/>
-                  </a:solidFill>
+                <a:rPr lang="ko-KR" altLang="en-US" sz="1000" b="1" i="0" dirty="0" err="1">
                   <a:effectLst/>
                   <a:latin typeface="-apple-system"/>
                 </a:rPr>
-                <a:t>태백귀네미풍력 발전단지 전경</a:t>
+                <a:t>태백귀네미풍력</a:t>
               </a:r>
-              <a:endParaRPr lang="ko-KR" altLang="en-US" sz="1000"/>
+              <a:r>
+                <a:rPr lang="ko-KR" altLang="en-US" sz="1000" b="1" i="0" dirty="0">
+                  <a:effectLst/>
+                  <a:latin typeface="-apple-system"/>
+                </a:rPr>
+                <a:t> 발전단지 전경</a:t>
+              </a:r>
+              <a:endParaRPr lang="ko-KR" altLang="en-US" sz="1000" b="1" dirty="0"/>
             </a:p>
           </p:txBody>
         </p:sp>
@@ -10099,7 +10668,7 @@
             <a:avLst/>
           </a:prstGeom>
           <a:blipFill dpi="0" rotWithShape="1">
-            <a:blip r:embed="rId7">
+            <a:blip r:embed="rId7" cstate="hqprint">
               <a:extLst>
                 <a:ext uri="{28A0092B-C50C-407E-A947-70E740481C1C}">
                   <a14:useLocalDpi xmlns:a14="http://schemas.microsoft.com/office/drawing/2010/main" val="0"/>
@@ -10170,13 +10739,18 @@
           <a:p>
             <a:pPr algn="r"/>
             <a:r>
-              <a:rPr lang="en-US" altLang="ko-KR" sz="1000"/>
+              <a:rPr lang="en-US" altLang="ko-KR" sz="1000" b="1" dirty="0"/>
               <a:t>Bauman </a:t>
             </a:r>
             <a:r>
-              <a:rPr lang="ko-KR" altLang="en-US" sz="1000"/>
-              <a:t>바이오가스 정제소</a:t>
-            </a:r>
+              <a:rPr lang="ko-KR" altLang="en-US" sz="1000" b="1" dirty="0"/>
+              <a:t>바이오가스 </a:t>
+            </a:r>
+            <a:r>
+              <a:rPr lang="ko-KR" altLang="en-US" sz="1000" b="1" dirty="0" err="1"/>
+              <a:t>정제소</a:t>
+            </a:r>
+            <a:endParaRPr lang="ko-KR" altLang="en-US" sz="1000" b="1" dirty="0"/>
           </a:p>
         </p:txBody>
       </p:sp>
@@ -10190,6 +10764,13 @@
   <p:clrMapOvr>
     <a:masterClrMapping/>
   </p:clrMapOvr>
+  <p:timing>
+    <p:tnLst>
+      <p:par>
+        <p:cTn id="1" dur="indefinite" restart="never" nodeType="tmRoot"/>
+      </p:par>
+    </p:tnLst>
+  </p:timing>
 </p:sld>
 </file>
 
@@ -10489,6 +11070,584 @@
                 <a:ea typeface="맑은 고딕" panose="020B0503020000020004" pitchFamily="50" charset="-127"/>
               </a:rPr>
               <a:t>배경</a:t>
+            </a:r>
+            <a:endParaRPr kumimoji="0" lang="ko-KR" altLang="en-US" sz="3200" b="1" i="0" u="none" strike="noStrike" kern="0" cap="none" spc="0" normalizeH="0" baseline="0" noProof="0" dirty="0">
+              <a:ln>
+                <a:noFill/>
+              </a:ln>
+              <a:solidFill>
+                <a:sysClr val="windowText" lastClr="000000"/>
+              </a:solidFill>
+              <a:effectLst/>
+              <a:uLnTx/>
+              <a:uFillTx/>
+              <a:latin typeface="Malgun Gothic"/>
+              <a:ea typeface="맑은 고딕" panose="020B0503020000020004" pitchFamily="50" charset="-127"/>
+            </a:endParaRPr>
+          </a:p>
+        </p:txBody>
+      </p:sp>
+      <p:sp>
+        <p:nvSpPr>
+          <p:cNvPr id="19" name="object 6">
+            <a:extLst>
+              <a:ext uri="{FF2B5EF4-FFF2-40B4-BE49-F238E27FC236}">
+                <a16:creationId xmlns:a16="http://schemas.microsoft.com/office/drawing/2014/main" id="{C73C25E3-E198-4627-994A-E730949EA465}"/>
+              </a:ext>
+            </a:extLst>
+          </p:cNvPr>
+          <p:cNvSpPr/>
+          <p:nvPr/>
+        </p:nvSpPr>
+        <p:spPr>
+          <a:xfrm>
+            <a:off x="430250" y="985061"/>
+            <a:ext cx="11353800" cy="45720"/>
+          </a:xfrm>
+          <a:custGeom>
+            <a:avLst/>
+            <a:gdLst/>
+            <a:ahLst/>
+            <a:cxnLst/>
+            <a:rect l="l" t="t" r="r" b="b"/>
+            <a:pathLst>
+              <a:path w="11353800" h="45719">
+                <a:moveTo>
+                  <a:pt x="11353800" y="0"/>
+                </a:moveTo>
+                <a:lnTo>
+                  <a:pt x="0" y="0"/>
+                </a:lnTo>
+                <a:lnTo>
+                  <a:pt x="0" y="45718"/>
+                </a:lnTo>
+                <a:lnTo>
+                  <a:pt x="11353800" y="45718"/>
+                </a:lnTo>
+                <a:lnTo>
+                  <a:pt x="11353800" y="0"/>
+                </a:lnTo>
+                <a:close/>
+              </a:path>
+            </a:pathLst>
+          </a:custGeom>
+          <a:solidFill>
+            <a:srgbClr val="0C3F8B"/>
+          </a:solidFill>
+        </p:spPr>
+        <p:txBody>
+          <a:bodyPr wrap="square" lIns="0" tIns="0" rIns="0" bIns="0" rtlCol="0"/>
+          <a:lstStyle/>
+          <a:p>
+            <a:pPr marL="0" marR="0" lvl="0" indent="0" defTabSz="914400" eaLnBrk="1" fontAlgn="auto" latinLnBrk="0" hangingPunct="1">
+              <a:lnSpc>
+                <a:spcPct val="100000"/>
+              </a:lnSpc>
+              <a:spcBef>
+                <a:spcPts val="0"/>
+              </a:spcBef>
+              <a:spcAft>
+                <a:spcPts val="0"/>
+              </a:spcAft>
+              <a:buClrTx/>
+              <a:buSzTx/>
+              <a:buFontTx/>
+              <a:buNone/>
+              <a:tabLst/>
+              <a:defRPr/>
+            </a:pPr>
+            <a:endParaRPr kumimoji="0" sz="1800" b="0" i="0" u="none" strike="noStrike" kern="0" cap="none" spc="0" normalizeH="0" baseline="0" noProof="0">
+              <a:ln>
+                <a:noFill/>
+              </a:ln>
+              <a:solidFill>
+                <a:sysClr val="windowText" lastClr="000000"/>
+              </a:solidFill>
+              <a:effectLst/>
+              <a:uLnTx/>
+              <a:uFillTx/>
+            </a:endParaRPr>
+          </a:p>
+        </p:txBody>
+      </p:sp>
+      <p:grpSp>
+        <p:nvGrpSpPr>
+          <p:cNvPr id="4" name="그룹 3">
+            <a:extLst>
+              <a:ext uri="{FF2B5EF4-FFF2-40B4-BE49-F238E27FC236}">
+                <a16:creationId xmlns:a16="http://schemas.microsoft.com/office/drawing/2014/main" id="{A0C71B1A-3049-00DB-5A95-2A35B854AF54}"/>
+              </a:ext>
+            </a:extLst>
+          </p:cNvPr>
+          <p:cNvGrpSpPr/>
+          <p:nvPr/>
+        </p:nvGrpSpPr>
+        <p:grpSpPr>
+          <a:xfrm>
+            <a:off x="10225454" y="6479121"/>
+            <a:ext cx="1845882" cy="304214"/>
+            <a:chOff x="8473734" y="6091284"/>
+            <a:chExt cx="3553640" cy="585664"/>
+          </a:xfrm>
+        </p:grpSpPr>
+        <p:pic>
+          <p:nvPicPr>
+            <p:cNvPr id="20" name="그림 19">
+              <a:extLst>
+                <a:ext uri="{FF2B5EF4-FFF2-40B4-BE49-F238E27FC236}">
+                  <a16:creationId xmlns:a16="http://schemas.microsoft.com/office/drawing/2014/main" id="{A87EDB79-AE8E-46E3-B956-281C41A7ED3A}"/>
+                </a:ext>
+              </a:extLst>
+            </p:cNvPr>
+            <p:cNvPicPr>
+              <a:picLocks noChangeAspect="1"/>
+            </p:cNvPicPr>
+            <p:nvPr/>
+          </p:nvPicPr>
+          <p:blipFill rotWithShape="1">
+            <a:blip r:embed="rId3">
+              <a:extLst>
+                <a:ext uri="{28A0092B-C50C-407E-A947-70E740481C1C}">
+                  <a14:useLocalDpi xmlns:a14="http://schemas.microsoft.com/office/drawing/2010/main" val="0"/>
+                </a:ext>
+              </a:extLst>
+            </a:blip>
+            <a:srcRect l="74535" t="3851" r="5686" b="50143"/>
+            <a:stretch/>
+          </p:blipFill>
+          <p:spPr>
+            <a:xfrm>
+              <a:off x="8473734" y="6091284"/>
+              <a:ext cx="1353669" cy="585664"/>
+            </a:xfrm>
+            <a:prstGeom prst="rect">
+              <a:avLst/>
+            </a:prstGeom>
+          </p:spPr>
+        </p:pic>
+        <p:pic>
+          <p:nvPicPr>
+            <p:cNvPr id="21" name="그림 20">
+              <a:extLst>
+                <a:ext uri="{FF2B5EF4-FFF2-40B4-BE49-F238E27FC236}">
+                  <a16:creationId xmlns:a16="http://schemas.microsoft.com/office/drawing/2014/main" id="{25EA5F27-CB8A-4DD7-A41E-73A6B46FF164}"/>
+                </a:ext>
+              </a:extLst>
+            </p:cNvPr>
+            <p:cNvPicPr>
+              <a:picLocks noChangeAspect="1"/>
+            </p:cNvPicPr>
+            <p:nvPr/>
+          </p:nvPicPr>
+          <p:blipFill>
+            <a:blip r:embed="rId4" cstate="hqprint">
+              <a:extLst>
+                <a:ext uri="{28A0092B-C50C-407E-A947-70E740481C1C}">
+                  <a14:useLocalDpi xmlns:a14="http://schemas.microsoft.com/office/drawing/2010/main" val="0"/>
+                </a:ext>
+              </a:extLst>
+            </a:blip>
+            <a:stretch>
+              <a:fillRect/>
+            </a:stretch>
+          </p:blipFill>
+          <p:spPr>
+            <a:xfrm>
+              <a:off x="9827403" y="6172124"/>
+              <a:ext cx="2199971" cy="423985"/>
+            </a:xfrm>
+            <a:prstGeom prst="rect">
+              <a:avLst/>
+            </a:prstGeom>
+          </p:spPr>
+        </p:pic>
+      </p:grpSp>
+      <p:sp>
+        <p:nvSpPr>
+          <p:cNvPr id="7" name="TextBox 6">
+            <a:extLst>
+              <a:ext uri="{FF2B5EF4-FFF2-40B4-BE49-F238E27FC236}">
+                <a16:creationId xmlns:a16="http://schemas.microsoft.com/office/drawing/2014/main" id="{C32BDAE3-8425-E8C0-3D82-A3DF9B086B90}"/>
+              </a:ext>
+            </a:extLst>
+          </p:cNvPr>
+          <p:cNvSpPr txBox="1"/>
+          <p:nvPr/>
+        </p:nvSpPr>
+        <p:spPr>
+          <a:xfrm>
+            <a:off x="430250" y="1178351"/>
+            <a:ext cx="3910045" cy="369332"/>
+          </a:xfrm>
+          <a:prstGeom prst="rect">
+            <a:avLst/>
+          </a:prstGeom>
+          <a:noFill/>
+        </p:spPr>
+        <p:txBody>
+          <a:bodyPr wrap="none" rtlCol="0">
+            <a:spAutoFit/>
+          </a:bodyPr>
+          <a:lstStyle/>
+          <a:p>
+            <a:r>
+              <a:rPr lang="ko-KR" altLang="en-US" b="1" dirty="0"/>
+              <a:t>신재생 에너지 </a:t>
+            </a:r>
+            <a:r>
+              <a:rPr lang="en-US" altLang="ko-KR" b="1" dirty="0" smtClean="0"/>
+              <a:t>- </a:t>
+            </a:r>
+            <a:r>
+              <a:rPr lang="ko-KR" altLang="en-US" b="1" dirty="0" smtClean="0"/>
+              <a:t>태양광 </a:t>
+            </a:r>
+            <a:r>
+              <a:rPr lang="ko-KR" altLang="en-US" b="1" dirty="0"/>
+              <a:t>발전의 </a:t>
+            </a:r>
+            <a:r>
+              <a:rPr lang="ko-KR" altLang="en-US" b="1" dirty="0" smtClean="0"/>
+              <a:t>장점</a:t>
+            </a:r>
+            <a:endParaRPr lang="ko-KR" altLang="en-US" b="1" dirty="0"/>
+          </a:p>
+        </p:txBody>
+      </p:sp>
+      <p:grpSp>
+        <p:nvGrpSpPr>
+          <p:cNvPr id="12" name="그룹 11">
+            <a:extLst>
+              <a:ext uri="{FF2B5EF4-FFF2-40B4-BE49-F238E27FC236}">
+                <a16:creationId xmlns:a16="http://schemas.microsoft.com/office/drawing/2014/main" id="{EF4A069E-535E-26C0-4C60-862280B85724}"/>
+              </a:ext>
+            </a:extLst>
+          </p:cNvPr>
+          <p:cNvGrpSpPr/>
+          <p:nvPr/>
+        </p:nvGrpSpPr>
+        <p:grpSpPr>
+          <a:xfrm>
+            <a:off x="1341757" y="2939805"/>
+            <a:ext cx="10030014" cy="3010022"/>
+            <a:chOff x="1164695" y="2045889"/>
+            <a:chExt cx="9182968" cy="2755822"/>
+          </a:xfrm>
+        </p:grpSpPr>
+        <p:grpSp>
+          <p:nvGrpSpPr>
+            <p:cNvPr id="2" name="그룹 1">
+              <a:extLst>
+                <a:ext uri="{FF2B5EF4-FFF2-40B4-BE49-F238E27FC236}">
+                  <a16:creationId xmlns:a16="http://schemas.microsoft.com/office/drawing/2014/main" id="{DCC727DF-A7F1-5845-6CC3-97A684CB2FE7}"/>
+                </a:ext>
+              </a:extLst>
+            </p:cNvPr>
+            <p:cNvGrpSpPr/>
+            <p:nvPr/>
+          </p:nvGrpSpPr>
+          <p:grpSpPr>
+            <a:xfrm>
+              <a:off x="1164695" y="2045889"/>
+              <a:ext cx="3849287" cy="2755822"/>
+              <a:chOff x="1318964" y="2616188"/>
+              <a:chExt cx="3849287" cy="2755822"/>
+            </a:xfrm>
+          </p:grpSpPr>
+          <p:pic>
+            <p:nvPicPr>
+              <p:cNvPr id="3" name="그림 2">
+                <a:extLst>
+                  <a:ext uri="{FF2B5EF4-FFF2-40B4-BE49-F238E27FC236}">
+                    <a16:creationId xmlns:a16="http://schemas.microsoft.com/office/drawing/2014/main" id="{5E52B3C9-634E-8340-6CA5-6978D6A863B4}"/>
+                  </a:ext>
+                </a:extLst>
+              </p:cNvPr>
+              <p:cNvPicPr>
+                <a:picLocks noChangeAspect="1"/>
+              </p:cNvPicPr>
+              <p:nvPr/>
+            </p:nvPicPr>
+            <p:blipFill>
+              <a:blip r:embed="rId5">
+                <a:extLst>
+                  <a:ext uri="{28A0092B-C50C-407E-A947-70E740481C1C}">
+                    <a14:useLocalDpi xmlns:a14="http://schemas.microsoft.com/office/drawing/2010/main" val="0"/>
+                  </a:ext>
+                </a:extLst>
+              </a:blip>
+              <a:stretch>
+                <a:fillRect/>
+              </a:stretch>
+            </p:blipFill>
+            <p:spPr>
+              <a:xfrm>
+                <a:off x="1318964" y="2616188"/>
+                <a:ext cx="3849287" cy="2520000"/>
+              </a:xfrm>
+              <a:prstGeom prst="rect">
+                <a:avLst/>
+              </a:prstGeom>
+            </p:spPr>
+          </p:pic>
+          <p:sp>
+            <p:nvSpPr>
+              <p:cNvPr id="5" name="TextBox 4">
+                <a:extLst>
+                  <a:ext uri="{FF2B5EF4-FFF2-40B4-BE49-F238E27FC236}">
+                    <a16:creationId xmlns:a16="http://schemas.microsoft.com/office/drawing/2014/main" id="{EF1A9CE4-1E68-D077-568D-ADF3CE99B191}"/>
+                  </a:ext>
+                </a:extLst>
+              </p:cNvPr>
+              <p:cNvSpPr txBox="1"/>
+              <p:nvPr/>
+            </p:nvSpPr>
+            <p:spPr>
+              <a:xfrm>
+                <a:off x="2484063" y="5146583"/>
+                <a:ext cx="2684188" cy="225427"/>
+              </a:xfrm>
+              <a:prstGeom prst="rect">
+                <a:avLst/>
+              </a:prstGeom>
+              <a:noFill/>
+            </p:spPr>
+            <p:txBody>
+              <a:bodyPr wrap="square">
+                <a:spAutoFit/>
+              </a:bodyPr>
+              <a:lstStyle/>
+              <a:p>
+                <a:pPr algn="r"/>
+                <a:r>
+                  <a:rPr lang="ko-KR" altLang="en-US" sz="1000" b="1" dirty="0"/>
+                  <a:t>태양광 전문 설계 업체 ㈜ </a:t>
+                </a:r>
+                <a:r>
+                  <a:rPr lang="ko-KR" altLang="en-US" sz="1000" b="1" dirty="0" err="1"/>
+                  <a:t>에스디</a:t>
+                </a:r>
+                <a:r>
+                  <a:rPr lang="ko-KR" altLang="en-US" sz="1000" b="1" dirty="0"/>
+                  <a:t> 태양광의 장점</a:t>
+                </a:r>
+              </a:p>
+            </p:txBody>
+          </p:sp>
+        </p:grpSp>
+        <p:grpSp>
+          <p:nvGrpSpPr>
+            <p:cNvPr id="8" name="그룹 7">
+              <a:extLst>
+                <a:ext uri="{FF2B5EF4-FFF2-40B4-BE49-F238E27FC236}">
+                  <a16:creationId xmlns:a16="http://schemas.microsoft.com/office/drawing/2014/main" id="{CF290D89-69C1-5D65-1829-7022B8626C93}"/>
+                </a:ext>
+              </a:extLst>
+            </p:cNvPr>
+            <p:cNvGrpSpPr/>
+            <p:nvPr/>
+          </p:nvGrpSpPr>
+          <p:grpSpPr>
+            <a:xfrm>
+              <a:off x="5916167" y="2045889"/>
+              <a:ext cx="4431496" cy="2745426"/>
+              <a:chOff x="5916167" y="2045889"/>
+              <a:chExt cx="4431496" cy="2745426"/>
+            </a:xfrm>
+          </p:grpSpPr>
+          <p:pic>
+            <p:nvPicPr>
+              <p:cNvPr id="9" name="그림 8">
+                <a:extLst>
+                  <a:ext uri="{FF2B5EF4-FFF2-40B4-BE49-F238E27FC236}">
+                    <a16:creationId xmlns:a16="http://schemas.microsoft.com/office/drawing/2014/main" id="{53357C23-CB22-1BBF-6A5D-7A19654E76EA}"/>
+                  </a:ext>
+                </a:extLst>
+              </p:cNvPr>
+              <p:cNvPicPr>
+                <a:picLocks noChangeAspect="1"/>
+              </p:cNvPicPr>
+              <p:nvPr/>
+            </p:nvPicPr>
+            <p:blipFill>
+              <a:blip r:embed="rId6">
+                <a:extLst>
+                  <a:ext uri="{28A0092B-C50C-407E-A947-70E740481C1C}">
+                    <a14:useLocalDpi xmlns:a14="http://schemas.microsoft.com/office/drawing/2010/main" val="0"/>
+                  </a:ext>
+                </a:extLst>
+              </a:blip>
+              <a:stretch>
+                <a:fillRect/>
+              </a:stretch>
+            </p:blipFill>
+            <p:spPr>
+              <a:xfrm>
+                <a:off x="5916167" y="2045889"/>
+                <a:ext cx="4431496" cy="2520000"/>
+              </a:xfrm>
+              <a:prstGeom prst="rect">
+                <a:avLst/>
+              </a:prstGeom>
+            </p:spPr>
+          </p:pic>
+          <p:sp>
+            <p:nvSpPr>
+              <p:cNvPr id="10" name="TextBox 9">
+                <a:extLst>
+                  <a:ext uri="{FF2B5EF4-FFF2-40B4-BE49-F238E27FC236}">
+                    <a16:creationId xmlns:a16="http://schemas.microsoft.com/office/drawing/2014/main" id="{852A9612-8F37-B585-E3AF-1F4CD4720C06}"/>
+                  </a:ext>
+                </a:extLst>
+              </p:cNvPr>
+              <p:cNvSpPr txBox="1"/>
+              <p:nvPr/>
+            </p:nvSpPr>
+            <p:spPr>
+              <a:xfrm>
+                <a:off x="6572095" y="4565888"/>
+                <a:ext cx="3248913" cy="225427"/>
+              </a:xfrm>
+              <a:prstGeom prst="rect">
+                <a:avLst/>
+              </a:prstGeom>
+              <a:noFill/>
+            </p:spPr>
+            <p:txBody>
+              <a:bodyPr wrap="square">
+                <a:spAutoFit/>
+              </a:bodyPr>
+              <a:lstStyle/>
+              <a:p>
+                <a:pPr algn="r"/>
+                <a:r>
+                  <a:rPr lang="ko-KR" altLang="en-US" sz="1000" b="1" dirty="0"/>
+                  <a:t>풍력</a:t>
+                </a:r>
+                <a:r>
+                  <a:rPr lang="en-US" altLang="ko-KR" sz="1000" b="1" dirty="0"/>
+                  <a:t>, </a:t>
+                </a:r>
+                <a:r>
+                  <a:rPr lang="ko-KR" altLang="en-US" sz="1000" b="1" dirty="0"/>
+                  <a:t>태양광 발전 설비 비교</a:t>
+                </a:r>
+              </a:p>
+            </p:txBody>
+          </p:sp>
+        </p:grpSp>
+      </p:grpSp>
+    </p:spTree>
+    <p:extLst>
+      <p:ext uri="{BB962C8B-B14F-4D97-AF65-F5344CB8AC3E}">
+        <p14:creationId xmlns:p14="http://schemas.microsoft.com/office/powerpoint/2010/main" val="2356219939"/>
+      </p:ext>
+    </p:extLst>
+  </p:cSld>
+  <p:clrMapOvr>
+    <a:masterClrMapping/>
+  </p:clrMapOvr>
+  <p:timing>
+    <p:tnLst>
+      <p:par>
+        <p:cTn id="1" dur="indefinite" restart="never" nodeType="tmRoot"/>
+      </p:par>
+    </p:tnLst>
+  </p:timing>
+</p:sld>
+</file>
+
+<file path=ppt/slides/slide7.xml><?xml version="1.0" encoding="utf-8"?>
+<p:sld xmlns:a="http://schemas.openxmlformats.org/drawingml/2006/main" xmlns:r="http://schemas.openxmlformats.org/officeDocument/2006/relationships" xmlns:p="http://schemas.openxmlformats.org/presentationml/2006/main">
+  <p:cSld>
+    <p:spTree>
+      <p:nvGrpSpPr>
+        <p:cNvPr id="1" name=""/>
+        <p:cNvGrpSpPr/>
+        <p:nvPr/>
+      </p:nvGrpSpPr>
+      <p:grpSpPr>
+        <a:xfrm>
+          <a:off x="0" y="0"/>
+          <a:ext cx="0" cy="0"/>
+          <a:chOff x="0" y="0"/>
+          <a:chExt cx="0" cy="0"/>
+        </a:xfrm>
+      </p:grpSpPr>
+      <p:sp>
+        <p:nvSpPr>
+          <p:cNvPr id="15" name="object 2">
+            <a:extLst>
+              <a:ext uri="{FF2B5EF4-FFF2-40B4-BE49-F238E27FC236}">
+                <a16:creationId xmlns:a16="http://schemas.microsoft.com/office/drawing/2014/main" id="{63B42C9C-96BB-4869-81D8-DBA87F4A50BB}"/>
+              </a:ext>
+            </a:extLst>
+          </p:cNvPr>
+          <p:cNvSpPr txBox="1">
+            <a:spLocks/>
+          </p:cNvSpPr>
+          <p:nvPr/>
+        </p:nvSpPr>
+        <p:spPr>
+          <a:xfrm>
+            <a:off x="492575" y="391668"/>
+            <a:ext cx="1793875" cy="513080"/>
+          </a:xfrm>
+          <a:prstGeom prst="rect">
+            <a:avLst/>
+          </a:prstGeom>
+        </p:spPr>
+        <p:txBody>
+          <a:bodyPr vert="horz" wrap="square" lIns="0" tIns="12700" rIns="0" bIns="0" rtlCol="0">
+            <a:spAutoFit/>
+          </a:bodyPr>
+          <a:lstStyle>
+            <a:lvl1pPr>
+              <a:defRPr sz="3600" b="1" i="0">
+                <a:solidFill>
+                  <a:schemeClr val="tx1"/>
+                </a:solidFill>
+                <a:latin typeface="Malgun Gothic"/>
+                <a:ea typeface="+mj-ea"/>
+                <a:cs typeface="Malgun Gothic"/>
+              </a:defRPr>
+            </a:lvl1pPr>
+          </a:lstStyle>
+          <a:p>
+            <a:pPr marL="12700" marR="0" lvl="0" indent="0" defTabSz="914400" eaLnBrk="1" fontAlgn="auto" latinLnBrk="0" hangingPunct="1">
+              <a:lnSpc>
+                <a:spcPct val="100000"/>
+              </a:lnSpc>
+              <a:spcBef>
+                <a:spcPts val="100"/>
+              </a:spcBef>
+              <a:spcAft>
+                <a:spcPts val="0"/>
+              </a:spcAft>
+              <a:buClrTx/>
+              <a:buSzTx/>
+              <a:buFontTx/>
+              <a:buNone/>
+              <a:tabLst>
+                <a:tab pos="967740" algn="l"/>
+              </a:tabLst>
+              <a:defRPr/>
+            </a:pPr>
+            <a:r>
+              <a:rPr kumimoji="0" lang="ko-KR" altLang="en-US" sz="3200" b="1" i="0" u="none" strike="noStrike" kern="0" cap="none" spc="-25" normalizeH="0" baseline="0" noProof="0">
+                <a:ln>
+                  <a:noFill/>
+                </a:ln>
+                <a:solidFill>
+                  <a:srgbClr val="001F60"/>
+                </a:solidFill>
+                <a:effectLst/>
+                <a:uLnTx/>
+                <a:uFillTx/>
+                <a:latin typeface="Malgun Gothic"/>
+                <a:ea typeface="맑은 고딕" panose="020B0503020000020004" pitchFamily="50" charset="-127"/>
+              </a:rPr>
+              <a:t>목적</a:t>
             </a:r>
             <a:endParaRPr kumimoji="0" lang="ko-KR" altLang="en-US" sz="3200" b="1" i="0" u="none" strike="noStrike" kern="0" cap="none" spc="0" normalizeH="0" baseline="0" noProof="0" dirty="0">
               <a:ln>
@@ -10683,10 +11842,10 @@
       </p:grpSp>
       <p:sp>
         <p:nvSpPr>
-          <p:cNvPr id="7" name="TextBox 6">
-            <a:extLst>
-              <a:ext uri="{FF2B5EF4-FFF2-40B4-BE49-F238E27FC236}">
-                <a16:creationId xmlns:a16="http://schemas.microsoft.com/office/drawing/2014/main" id="{C32BDAE3-8425-E8C0-3D82-A3DF9B086B90}"/>
+          <p:cNvPr id="6" name="TextBox 5">
+            <a:extLst>
+              <a:ext uri="{FF2B5EF4-FFF2-40B4-BE49-F238E27FC236}">
+                <a16:creationId xmlns:a16="http://schemas.microsoft.com/office/drawing/2014/main" id="{FD4C6D37-62A8-7D63-B571-1EBA73F59AF1}"/>
               </a:ext>
             </a:extLst>
           </p:cNvPr>
@@ -10695,8 +11854,169 @@
         </p:nvSpPr>
         <p:spPr>
           <a:xfrm>
-            <a:off x="430250" y="1178351"/>
-            <a:ext cx="3910045" cy="369332"/>
+            <a:off x="753416" y="3429000"/>
+            <a:ext cx="10657924" cy="1200329"/>
+          </a:xfrm>
+          <a:prstGeom prst="rect">
+            <a:avLst/>
+          </a:prstGeom>
+          <a:noFill/>
+        </p:spPr>
+        <p:txBody>
+          <a:bodyPr wrap="square">
+            <a:spAutoFit/>
+          </a:bodyPr>
+          <a:lstStyle/>
+          <a:p>
+            <a:pPr marL="285750" indent="-285750">
+              <a:lnSpc>
+                <a:spcPct val="150000"/>
+              </a:lnSpc>
+              <a:buFontTx/>
+              <a:buChar char="-"/>
+            </a:pPr>
+            <a:r>
+              <a:rPr lang="ko-KR" altLang="en-US" sz="1600" b="1" dirty="0">
+                <a:effectLst/>
+              </a:rPr>
+              <a:t>기상청</a:t>
+            </a:r>
+            <a:r>
+              <a:rPr lang="ko-KR" altLang="en-US" sz="1600" dirty="0">
+                <a:effectLst/>
+              </a:rPr>
+              <a:t>의 </a:t>
+            </a:r>
+            <a:r>
+              <a:rPr lang="ko-KR" altLang="en-US" sz="1600" b="1" dirty="0">
+                <a:effectLst/>
+              </a:rPr>
+              <a:t>동네예보</a:t>
+            </a:r>
+            <a:r>
+              <a:rPr lang="ko-KR" altLang="en-US" sz="1600" dirty="0">
+                <a:effectLst/>
+              </a:rPr>
+              <a:t>는 기온</a:t>
+            </a:r>
+            <a:r>
+              <a:rPr lang="en-US" altLang="ko-KR" sz="1600" dirty="0">
+                <a:effectLst/>
+              </a:rPr>
+              <a:t>, </a:t>
+            </a:r>
+            <a:r>
+              <a:rPr lang="ko-KR" altLang="en-US" sz="1600" dirty="0">
+                <a:effectLst/>
+              </a:rPr>
+              <a:t>습도와 같은 요인의 </a:t>
+            </a:r>
+            <a:r>
+              <a:rPr lang="ko-KR" altLang="en-US" sz="1600" dirty="0" smtClean="0">
+                <a:effectLst/>
+              </a:rPr>
+              <a:t>예측 값은 </a:t>
+            </a:r>
+            <a:r>
+              <a:rPr lang="ko-KR" altLang="en-US" sz="1600" dirty="0">
+                <a:effectLst/>
+              </a:rPr>
+              <a:t>제공하나</a:t>
+            </a:r>
+            <a:r>
+              <a:rPr lang="en-US" altLang="ko-KR" sz="1600" dirty="0">
+                <a:effectLst/>
+              </a:rPr>
+              <a:t>, </a:t>
+            </a:r>
+            <a:r>
+              <a:rPr lang="ko-KR" altLang="en-US" sz="1600" b="1" dirty="0" smtClean="0">
+                <a:effectLst/>
+              </a:rPr>
+              <a:t>일사량 예측 값은 </a:t>
+            </a:r>
+            <a:r>
+              <a:rPr lang="ko-KR" altLang="en-US" sz="1600" b="1" dirty="0">
+                <a:effectLst/>
+              </a:rPr>
+              <a:t>제공하지 않음</a:t>
+            </a:r>
+            <a:endParaRPr lang="en-US" altLang="ko-KR" sz="1600" dirty="0">
+              <a:effectLst/>
+            </a:endParaRPr>
+          </a:p>
+          <a:p>
+            <a:pPr marL="285750" indent="-285750">
+              <a:lnSpc>
+                <a:spcPct val="150000"/>
+              </a:lnSpc>
+              <a:buFontTx/>
+              <a:buChar char="-"/>
+            </a:pPr>
+            <a:r>
+              <a:rPr lang="ko-KR" altLang="en-US" sz="1600" dirty="0"/>
+              <a:t>따라서 정확한 단기 일사량 예측 </a:t>
+            </a:r>
+            <a:r>
+              <a:rPr lang="ko-KR" altLang="en-US" sz="1600" u="sng" dirty="0"/>
+              <a:t>모델이 요구 </a:t>
+            </a:r>
+            <a:r>
+              <a:rPr lang="ko-KR" altLang="en-US" sz="1600" b="1" u="sng" dirty="0">
+                <a:effectLst/>
+              </a:rPr>
+              <a:t>국내 여러 </a:t>
+            </a:r>
+            <a:r>
+              <a:rPr lang="ko-KR" altLang="en-US" sz="1600" b="1" dirty="0">
+                <a:effectLst/>
+              </a:rPr>
+              <a:t>기관</a:t>
+            </a:r>
+            <a:r>
+              <a:rPr lang="ko-KR" altLang="en-US" sz="1600" dirty="0">
+                <a:effectLst/>
+              </a:rPr>
+              <a:t>에서 </a:t>
+            </a:r>
+            <a:r>
+              <a:rPr lang="ko-KR" altLang="en-US" sz="1600" b="1" dirty="0">
+                <a:effectLst/>
+              </a:rPr>
+              <a:t>기계학습을 기반으로 일사량 예측 모델들을 보고</a:t>
+            </a:r>
+            <a:r>
+              <a:rPr lang="ko-KR" altLang="en-US" sz="1600" dirty="0">
+                <a:effectLst/>
+              </a:rPr>
+              <a:t>를</a:t>
+            </a:r>
+            <a:r>
+              <a:rPr lang="ko-KR" altLang="en-US" sz="1600" b="1" dirty="0">
+                <a:effectLst/>
+              </a:rPr>
+              <a:t> 진행</a:t>
+            </a:r>
+            <a:endParaRPr lang="ko-KR" altLang="en-US" sz="1600" b="1" dirty="0"/>
+          </a:p>
+        </p:txBody>
+      </p:sp>
+      <p:sp>
+        <p:nvSpPr>
+          <p:cNvPr id="7" name="TextBox 6">
+            <a:extLst>
+              <a:ext uri="{FF2B5EF4-FFF2-40B4-BE49-F238E27FC236}">
+                <a16:creationId xmlns:a16="http://schemas.microsoft.com/office/drawing/2014/main" id="{D1C3B947-87DC-5EEA-EB26-82990C6B28E4}"/>
+              </a:ext>
+            </a:extLst>
+          </p:cNvPr>
+          <p:cNvSpPr txBox="1"/>
+          <p:nvPr/>
+        </p:nvSpPr>
+        <p:spPr>
+          <a:xfrm>
+            <a:off x="492575" y="2952391"/>
+            <a:ext cx="1502334" cy="369332"/>
           </a:xfrm>
           <a:prstGeom prst="rect">
             <a:avLst/>
@@ -10711,541 +12031,17 @@
           <a:p>
             <a:r>
               <a:rPr lang="ko-KR" altLang="en-US" b="1" dirty="0"/>
-              <a:t>신재생 에너지 </a:t>
-            </a:r>
-            <a:r>
-              <a:rPr lang="en-US" altLang="ko-KR" b="1" dirty="0"/>
-              <a:t>(</a:t>
-            </a:r>
-            <a:r>
-              <a:rPr lang="ko-KR" altLang="en-US" b="1" dirty="0"/>
-              <a:t>태양광 발전의 장점</a:t>
-            </a:r>
-            <a:r>
-              <a:rPr lang="en-US" altLang="ko-KR" b="1" dirty="0"/>
-              <a:t>)</a:t>
-            </a:r>
-            <a:endParaRPr lang="ko-KR" altLang="en-US" b="1" dirty="0"/>
+              <a:t>문제 및 목적</a:t>
+            </a:r>
           </a:p>
         </p:txBody>
       </p:sp>
-      <p:grpSp>
-        <p:nvGrpSpPr>
-          <p:cNvPr id="12" name="그룹 11">
-            <a:extLst>
-              <a:ext uri="{FF2B5EF4-FFF2-40B4-BE49-F238E27FC236}">
-                <a16:creationId xmlns:a16="http://schemas.microsoft.com/office/drawing/2014/main" id="{EF4A069E-535E-26C0-4C60-862280B85724}"/>
-              </a:ext>
-            </a:extLst>
-          </p:cNvPr>
-          <p:cNvGrpSpPr/>
-          <p:nvPr/>
-        </p:nvGrpSpPr>
-        <p:grpSpPr>
-          <a:xfrm>
-            <a:off x="1365572" y="2983766"/>
-            <a:ext cx="9483155" cy="2766221"/>
-            <a:chOff x="864508" y="2045889"/>
-            <a:chExt cx="9483155" cy="2766221"/>
-          </a:xfrm>
-        </p:grpSpPr>
-        <p:grpSp>
-          <p:nvGrpSpPr>
-            <p:cNvPr id="2" name="그룹 1">
-              <a:extLst>
-                <a:ext uri="{FF2B5EF4-FFF2-40B4-BE49-F238E27FC236}">
-                  <a16:creationId xmlns:a16="http://schemas.microsoft.com/office/drawing/2014/main" id="{DCC727DF-A7F1-5845-6CC3-97A684CB2FE7}"/>
-                </a:ext>
-              </a:extLst>
-            </p:cNvPr>
-            <p:cNvGrpSpPr/>
-            <p:nvPr/>
-          </p:nvGrpSpPr>
-          <p:grpSpPr>
-            <a:xfrm>
-              <a:off x="864508" y="2045889"/>
-              <a:ext cx="3849287" cy="2766221"/>
-              <a:chOff x="1018777" y="2616188"/>
-              <a:chExt cx="3849287" cy="2766221"/>
-            </a:xfrm>
-          </p:grpSpPr>
-          <p:pic>
-            <p:nvPicPr>
-              <p:cNvPr id="3" name="그림 2">
-                <a:extLst>
-                  <a:ext uri="{FF2B5EF4-FFF2-40B4-BE49-F238E27FC236}">
-                    <a16:creationId xmlns:a16="http://schemas.microsoft.com/office/drawing/2014/main" id="{5E52B3C9-634E-8340-6CA5-6978D6A863B4}"/>
-                  </a:ext>
-                </a:extLst>
-              </p:cNvPr>
-              <p:cNvPicPr>
-                <a:picLocks noChangeAspect="1"/>
-              </p:cNvPicPr>
-              <p:nvPr/>
-            </p:nvPicPr>
-            <p:blipFill>
-              <a:blip r:embed="rId4">
-                <a:extLst>
-                  <a:ext uri="{28A0092B-C50C-407E-A947-70E740481C1C}">
-                    <a14:useLocalDpi xmlns:a14="http://schemas.microsoft.com/office/drawing/2010/main" val="0"/>
-                  </a:ext>
-                </a:extLst>
-              </a:blip>
-              <a:stretch>
-                <a:fillRect/>
-              </a:stretch>
-            </p:blipFill>
-            <p:spPr>
-              <a:xfrm>
-                <a:off x="1018777" y="2616188"/>
-                <a:ext cx="3849287" cy="2520000"/>
-              </a:xfrm>
-              <a:prstGeom prst="rect">
-                <a:avLst/>
-              </a:prstGeom>
-            </p:spPr>
-          </p:pic>
-          <p:sp>
-            <p:nvSpPr>
-              <p:cNvPr id="5" name="TextBox 4">
-                <a:extLst>
-                  <a:ext uri="{FF2B5EF4-FFF2-40B4-BE49-F238E27FC236}">
-                    <a16:creationId xmlns:a16="http://schemas.microsoft.com/office/drawing/2014/main" id="{EF1A9CE4-1E68-D077-568D-ADF3CE99B191}"/>
-                  </a:ext>
-                </a:extLst>
-              </p:cNvPr>
-              <p:cNvSpPr txBox="1"/>
-              <p:nvPr/>
-            </p:nvSpPr>
-            <p:spPr>
-              <a:xfrm>
-                <a:off x="1619151" y="5136188"/>
-                <a:ext cx="3248913" cy="246221"/>
-              </a:xfrm>
-              <a:prstGeom prst="rect">
-                <a:avLst/>
-              </a:prstGeom>
-              <a:noFill/>
-            </p:spPr>
-            <p:txBody>
-              <a:bodyPr wrap="square">
-                <a:spAutoFit/>
-              </a:bodyPr>
-              <a:lstStyle/>
-              <a:p>
-                <a:pPr algn="r"/>
-                <a:r>
-                  <a:rPr lang="ko-KR" altLang="en-US" sz="1000"/>
-                  <a:t>태양광 전문 설계 업체 ㈜ 에스디 태양광의 장점</a:t>
-                </a:r>
-              </a:p>
-            </p:txBody>
-          </p:sp>
-        </p:grpSp>
-        <p:grpSp>
-          <p:nvGrpSpPr>
-            <p:cNvPr id="8" name="그룹 7">
-              <a:extLst>
-                <a:ext uri="{FF2B5EF4-FFF2-40B4-BE49-F238E27FC236}">
-                  <a16:creationId xmlns:a16="http://schemas.microsoft.com/office/drawing/2014/main" id="{CF290D89-69C1-5D65-1829-7022B8626C93}"/>
-                </a:ext>
-              </a:extLst>
-            </p:cNvPr>
-            <p:cNvGrpSpPr/>
-            <p:nvPr/>
-          </p:nvGrpSpPr>
-          <p:grpSpPr>
-            <a:xfrm>
-              <a:off x="5916167" y="2045889"/>
-              <a:ext cx="4431496" cy="2766220"/>
-              <a:chOff x="5916167" y="2045889"/>
-              <a:chExt cx="4431496" cy="2766220"/>
-            </a:xfrm>
-          </p:grpSpPr>
-          <p:pic>
-            <p:nvPicPr>
-              <p:cNvPr id="9" name="그림 8">
-                <a:extLst>
-                  <a:ext uri="{FF2B5EF4-FFF2-40B4-BE49-F238E27FC236}">
-                    <a16:creationId xmlns:a16="http://schemas.microsoft.com/office/drawing/2014/main" id="{53357C23-CB22-1BBF-6A5D-7A19654E76EA}"/>
-                  </a:ext>
-                </a:extLst>
-              </p:cNvPr>
-              <p:cNvPicPr>
-                <a:picLocks noChangeAspect="1"/>
-              </p:cNvPicPr>
-              <p:nvPr/>
-            </p:nvPicPr>
-            <p:blipFill>
-              <a:blip r:embed="rId5">
-                <a:extLst>
-                  <a:ext uri="{28A0092B-C50C-407E-A947-70E740481C1C}">
-                    <a14:useLocalDpi xmlns:a14="http://schemas.microsoft.com/office/drawing/2010/main" val="0"/>
-                  </a:ext>
-                </a:extLst>
-              </a:blip>
-              <a:stretch>
-                <a:fillRect/>
-              </a:stretch>
-            </p:blipFill>
-            <p:spPr>
-              <a:xfrm>
-                <a:off x="5916167" y="2045889"/>
-                <a:ext cx="4431496" cy="2520000"/>
-              </a:xfrm>
-              <a:prstGeom prst="rect">
-                <a:avLst/>
-              </a:prstGeom>
-            </p:spPr>
-          </p:pic>
-          <p:sp>
-            <p:nvSpPr>
-              <p:cNvPr id="10" name="TextBox 9">
-                <a:extLst>
-                  <a:ext uri="{FF2B5EF4-FFF2-40B4-BE49-F238E27FC236}">
-                    <a16:creationId xmlns:a16="http://schemas.microsoft.com/office/drawing/2014/main" id="{852A9612-8F37-B585-E3AF-1F4CD4720C06}"/>
-                  </a:ext>
-                </a:extLst>
-              </p:cNvPr>
-              <p:cNvSpPr txBox="1"/>
-              <p:nvPr/>
-            </p:nvSpPr>
-            <p:spPr>
-              <a:xfrm>
-                <a:off x="6572095" y="4565888"/>
-                <a:ext cx="3248913" cy="246221"/>
-              </a:xfrm>
-              <a:prstGeom prst="rect">
-                <a:avLst/>
-              </a:prstGeom>
-              <a:noFill/>
-            </p:spPr>
-            <p:txBody>
-              <a:bodyPr wrap="square">
-                <a:spAutoFit/>
-              </a:bodyPr>
-              <a:lstStyle/>
-              <a:p>
-                <a:pPr algn="r"/>
-                <a:r>
-                  <a:rPr lang="ko-KR" altLang="en-US" sz="1000"/>
-                  <a:t>풍력</a:t>
-                </a:r>
-                <a:r>
-                  <a:rPr lang="en-US" altLang="ko-KR" sz="1000"/>
-                  <a:t>, </a:t>
-                </a:r>
-                <a:r>
-                  <a:rPr lang="ko-KR" altLang="en-US" sz="1000"/>
-                  <a:t>태양광 발전 설비 비교</a:t>
-                </a:r>
-              </a:p>
-            </p:txBody>
-          </p:sp>
-        </p:grpSp>
-      </p:grpSp>
-    </p:spTree>
-    <p:extLst>
-      <p:ext uri="{BB962C8B-B14F-4D97-AF65-F5344CB8AC3E}">
-        <p14:creationId xmlns:p14="http://schemas.microsoft.com/office/powerpoint/2010/main" val="2356219939"/>
-      </p:ext>
-    </p:extLst>
-  </p:cSld>
-  <p:clrMapOvr>
-    <a:masterClrMapping/>
-  </p:clrMapOvr>
-</p:sld>
-</file>
-
-<file path=ppt/slides/slide7.xml><?xml version="1.0" encoding="utf-8"?>
-<p:sld xmlns:a="http://schemas.openxmlformats.org/drawingml/2006/main" xmlns:r="http://schemas.openxmlformats.org/officeDocument/2006/relationships" xmlns:p="http://schemas.openxmlformats.org/presentationml/2006/main">
-  <p:cSld>
-    <p:spTree>
-      <p:nvGrpSpPr>
-        <p:cNvPr id="1" name=""/>
-        <p:cNvGrpSpPr/>
-        <p:nvPr/>
-      </p:nvGrpSpPr>
-      <p:grpSpPr>
-        <a:xfrm>
-          <a:off x="0" y="0"/>
-          <a:ext cx="0" cy="0"/>
-          <a:chOff x="0" y="0"/>
-          <a:chExt cx="0" cy="0"/>
-        </a:xfrm>
-      </p:grpSpPr>
-      <p:sp>
-        <p:nvSpPr>
-          <p:cNvPr id="15" name="object 2">
-            <a:extLst>
-              <a:ext uri="{FF2B5EF4-FFF2-40B4-BE49-F238E27FC236}">
-                <a16:creationId xmlns:a16="http://schemas.microsoft.com/office/drawing/2014/main" id="{63B42C9C-96BB-4869-81D8-DBA87F4A50BB}"/>
-              </a:ext>
-            </a:extLst>
-          </p:cNvPr>
-          <p:cNvSpPr txBox="1">
-            <a:spLocks/>
-          </p:cNvSpPr>
-          <p:nvPr/>
-        </p:nvSpPr>
-        <p:spPr>
-          <a:xfrm>
-            <a:off x="492575" y="391668"/>
-            <a:ext cx="1793875" cy="513080"/>
-          </a:xfrm>
-          <a:prstGeom prst="rect">
-            <a:avLst/>
-          </a:prstGeom>
-        </p:spPr>
-        <p:txBody>
-          <a:bodyPr vert="horz" wrap="square" lIns="0" tIns="12700" rIns="0" bIns="0" rtlCol="0">
-            <a:spAutoFit/>
-          </a:bodyPr>
-          <a:lstStyle>
-            <a:lvl1pPr>
-              <a:defRPr sz="3600" b="1" i="0">
-                <a:solidFill>
-                  <a:schemeClr val="tx1"/>
-                </a:solidFill>
-                <a:latin typeface="Malgun Gothic"/>
-                <a:ea typeface="+mj-ea"/>
-                <a:cs typeface="Malgun Gothic"/>
-              </a:defRPr>
-            </a:lvl1pPr>
-          </a:lstStyle>
-          <a:p>
-            <a:pPr marL="12700" marR="0" lvl="0" indent="0" defTabSz="914400" eaLnBrk="1" fontAlgn="auto" latinLnBrk="0" hangingPunct="1">
-              <a:lnSpc>
-                <a:spcPct val="100000"/>
-              </a:lnSpc>
-              <a:spcBef>
-                <a:spcPts val="100"/>
-              </a:spcBef>
-              <a:spcAft>
-                <a:spcPts val="0"/>
-              </a:spcAft>
-              <a:buClrTx/>
-              <a:buSzTx/>
-              <a:buFontTx/>
-              <a:buNone/>
-              <a:tabLst>
-                <a:tab pos="967740" algn="l"/>
-              </a:tabLst>
-              <a:defRPr/>
-            </a:pPr>
-            <a:r>
-              <a:rPr kumimoji="0" lang="ko-KR" altLang="en-US" sz="3200" b="1" i="0" u="none" strike="noStrike" kern="0" cap="none" spc="-25" normalizeH="0" baseline="0" noProof="0">
-                <a:ln>
-                  <a:noFill/>
-                </a:ln>
-                <a:solidFill>
-                  <a:srgbClr val="001F60"/>
-                </a:solidFill>
-                <a:effectLst/>
-                <a:uLnTx/>
-                <a:uFillTx/>
-                <a:latin typeface="Malgun Gothic"/>
-                <a:ea typeface="맑은 고딕" panose="020B0503020000020004" pitchFamily="50" charset="-127"/>
-              </a:rPr>
-              <a:t>목적</a:t>
-            </a:r>
-            <a:endParaRPr kumimoji="0" lang="ko-KR" altLang="en-US" sz="3200" b="1" i="0" u="none" strike="noStrike" kern="0" cap="none" spc="0" normalizeH="0" baseline="0" noProof="0" dirty="0">
-              <a:ln>
-                <a:noFill/>
-              </a:ln>
-              <a:solidFill>
-                <a:sysClr val="windowText" lastClr="000000"/>
-              </a:solidFill>
-              <a:effectLst/>
-              <a:uLnTx/>
-              <a:uFillTx/>
-              <a:latin typeface="Malgun Gothic"/>
-              <a:ea typeface="맑은 고딕" panose="020B0503020000020004" pitchFamily="50" charset="-127"/>
-            </a:endParaRPr>
-          </a:p>
-        </p:txBody>
-      </p:sp>
-      <p:sp>
-        <p:nvSpPr>
-          <p:cNvPr id="19" name="object 6">
-            <a:extLst>
-              <a:ext uri="{FF2B5EF4-FFF2-40B4-BE49-F238E27FC236}">
-                <a16:creationId xmlns:a16="http://schemas.microsoft.com/office/drawing/2014/main" id="{C73C25E3-E198-4627-994A-E730949EA465}"/>
-              </a:ext>
-            </a:extLst>
-          </p:cNvPr>
-          <p:cNvSpPr/>
-          <p:nvPr/>
-        </p:nvSpPr>
-        <p:spPr>
-          <a:xfrm>
-            <a:off x="430250" y="985061"/>
-            <a:ext cx="11353800" cy="45720"/>
-          </a:xfrm>
-          <a:custGeom>
-            <a:avLst/>
-            <a:gdLst/>
-            <a:ahLst/>
-            <a:cxnLst/>
-            <a:rect l="l" t="t" r="r" b="b"/>
-            <a:pathLst>
-              <a:path w="11353800" h="45719">
-                <a:moveTo>
-                  <a:pt x="11353800" y="0"/>
-                </a:moveTo>
-                <a:lnTo>
-                  <a:pt x="0" y="0"/>
-                </a:lnTo>
-                <a:lnTo>
-                  <a:pt x="0" y="45718"/>
-                </a:lnTo>
-                <a:lnTo>
-                  <a:pt x="11353800" y="45718"/>
-                </a:lnTo>
-                <a:lnTo>
-                  <a:pt x="11353800" y="0"/>
-                </a:lnTo>
-                <a:close/>
-              </a:path>
-            </a:pathLst>
-          </a:custGeom>
-          <a:solidFill>
-            <a:srgbClr val="0C3F8B"/>
-          </a:solidFill>
-        </p:spPr>
-        <p:txBody>
-          <a:bodyPr wrap="square" lIns="0" tIns="0" rIns="0" bIns="0" rtlCol="0"/>
-          <a:lstStyle/>
-          <a:p>
-            <a:pPr marL="0" marR="0" lvl="0" indent="0" defTabSz="914400" eaLnBrk="1" fontAlgn="auto" latinLnBrk="0" hangingPunct="1">
-              <a:lnSpc>
-                <a:spcPct val="100000"/>
-              </a:lnSpc>
-              <a:spcBef>
-                <a:spcPts val="0"/>
-              </a:spcBef>
-              <a:spcAft>
-                <a:spcPts val="0"/>
-              </a:spcAft>
-              <a:buClrTx/>
-              <a:buSzTx/>
-              <a:buFontTx/>
-              <a:buNone/>
-              <a:tabLst/>
-              <a:defRPr/>
-            </a:pPr>
-            <a:endParaRPr kumimoji="0" sz="1800" b="0" i="0" u="none" strike="noStrike" kern="0" cap="none" spc="0" normalizeH="0" baseline="0" noProof="0">
-              <a:ln>
-                <a:noFill/>
-              </a:ln>
-              <a:solidFill>
-                <a:sysClr val="windowText" lastClr="000000"/>
-              </a:solidFill>
-              <a:effectLst/>
-              <a:uLnTx/>
-              <a:uFillTx/>
-            </a:endParaRPr>
-          </a:p>
-        </p:txBody>
-      </p:sp>
-      <p:grpSp>
-        <p:nvGrpSpPr>
-          <p:cNvPr id="4" name="그룹 3">
-            <a:extLst>
-              <a:ext uri="{FF2B5EF4-FFF2-40B4-BE49-F238E27FC236}">
-                <a16:creationId xmlns:a16="http://schemas.microsoft.com/office/drawing/2014/main" id="{A0C71B1A-3049-00DB-5A95-2A35B854AF54}"/>
-              </a:ext>
-            </a:extLst>
-          </p:cNvPr>
-          <p:cNvGrpSpPr/>
-          <p:nvPr/>
-        </p:nvGrpSpPr>
-        <p:grpSpPr>
-          <a:xfrm>
-            <a:off x="10225454" y="6479121"/>
-            <a:ext cx="1845882" cy="304214"/>
-            <a:chOff x="8473734" y="6091284"/>
-            <a:chExt cx="3553640" cy="585664"/>
-          </a:xfrm>
-        </p:grpSpPr>
-        <p:pic>
-          <p:nvPicPr>
-            <p:cNvPr id="20" name="그림 19">
-              <a:extLst>
-                <a:ext uri="{FF2B5EF4-FFF2-40B4-BE49-F238E27FC236}">
-                  <a16:creationId xmlns:a16="http://schemas.microsoft.com/office/drawing/2014/main" id="{A87EDB79-AE8E-46E3-B956-281C41A7ED3A}"/>
-                </a:ext>
-              </a:extLst>
-            </p:cNvPr>
-            <p:cNvPicPr>
-              <a:picLocks noChangeAspect="1"/>
-            </p:cNvPicPr>
-            <p:nvPr/>
-          </p:nvPicPr>
-          <p:blipFill rotWithShape="1">
-            <a:blip r:embed="rId2">
-              <a:extLst>
-                <a:ext uri="{28A0092B-C50C-407E-A947-70E740481C1C}">
-                  <a14:useLocalDpi xmlns:a14="http://schemas.microsoft.com/office/drawing/2010/main" val="0"/>
-                </a:ext>
-              </a:extLst>
-            </a:blip>
-            <a:srcRect l="74535" t="3851" r="5686" b="50143"/>
-            <a:stretch/>
-          </p:blipFill>
-          <p:spPr>
-            <a:xfrm>
-              <a:off x="8473734" y="6091284"/>
-              <a:ext cx="1353669" cy="585664"/>
-            </a:xfrm>
-            <a:prstGeom prst="rect">
-              <a:avLst/>
-            </a:prstGeom>
-          </p:spPr>
-        </p:pic>
-        <p:pic>
-          <p:nvPicPr>
-            <p:cNvPr id="21" name="그림 20">
-              <a:extLst>
-                <a:ext uri="{FF2B5EF4-FFF2-40B4-BE49-F238E27FC236}">
-                  <a16:creationId xmlns:a16="http://schemas.microsoft.com/office/drawing/2014/main" id="{25EA5F27-CB8A-4DD7-A41E-73A6B46FF164}"/>
-                </a:ext>
-              </a:extLst>
-            </p:cNvPr>
-            <p:cNvPicPr>
-              <a:picLocks noChangeAspect="1"/>
-            </p:cNvPicPr>
-            <p:nvPr/>
-          </p:nvPicPr>
-          <p:blipFill>
-            <a:blip r:embed="rId3" cstate="hqprint">
-              <a:extLst>
-                <a:ext uri="{28A0092B-C50C-407E-A947-70E740481C1C}">
-                  <a14:useLocalDpi xmlns:a14="http://schemas.microsoft.com/office/drawing/2010/main" val="0"/>
-                </a:ext>
-              </a:extLst>
-            </a:blip>
-            <a:stretch>
-              <a:fillRect/>
-            </a:stretch>
-          </p:blipFill>
-          <p:spPr>
-            <a:xfrm>
-              <a:off x="9827403" y="6172124"/>
-              <a:ext cx="2199971" cy="423985"/>
-            </a:xfrm>
-            <a:prstGeom prst="rect">
-              <a:avLst/>
-            </a:prstGeom>
-          </p:spPr>
-        </p:pic>
-      </p:grpSp>
-      <p:sp>
-        <p:nvSpPr>
-          <p:cNvPr id="6" name="TextBox 5">
-            <a:extLst>
-              <a:ext uri="{FF2B5EF4-FFF2-40B4-BE49-F238E27FC236}">
-                <a16:creationId xmlns:a16="http://schemas.microsoft.com/office/drawing/2014/main" id="{FD4C6D37-62A8-7D63-B571-1EBA73F59AF1}"/>
+      <p:sp>
+        <p:nvSpPr>
+          <p:cNvPr id="11" name="TextBox 10">
+            <a:extLst>
+              <a:ext uri="{FF2B5EF4-FFF2-40B4-BE49-F238E27FC236}">
+                <a16:creationId xmlns:a16="http://schemas.microsoft.com/office/drawing/2014/main" id="{F88BE158-47A2-406A-B12D-058CCABF07AA}"/>
               </a:ext>
             </a:extLst>
           </p:cNvPr>
@@ -11254,165 +12050,8 @@
         </p:nvSpPr>
         <p:spPr>
           <a:xfrm>
-            <a:off x="753416" y="3429000"/>
-            <a:ext cx="10657924" cy="1152688"/>
-          </a:xfrm>
-          <a:prstGeom prst="rect">
-            <a:avLst/>
-          </a:prstGeom>
-          <a:noFill/>
-        </p:spPr>
-        <p:txBody>
-          <a:bodyPr wrap="square">
-            <a:spAutoFit/>
-          </a:bodyPr>
-          <a:lstStyle/>
-          <a:p>
-            <a:pPr marL="285750" indent="-285750">
-              <a:lnSpc>
-                <a:spcPct val="150000"/>
-              </a:lnSpc>
-              <a:buFontTx/>
-              <a:buChar char="-"/>
-            </a:pPr>
-            <a:r>
-              <a:rPr lang="ko-KR" altLang="en-US" sz="1600" b="1" dirty="0">
-                <a:effectLst/>
-              </a:rPr>
-              <a:t>기상청</a:t>
-            </a:r>
-            <a:r>
-              <a:rPr lang="ko-KR" altLang="en-US" sz="1600" dirty="0">
-                <a:effectLst/>
-              </a:rPr>
-              <a:t>의 </a:t>
-            </a:r>
-            <a:r>
-              <a:rPr lang="ko-KR" altLang="en-US" sz="1600" b="1" dirty="0">
-                <a:effectLst/>
-              </a:rPr>
-              <a:t>동네예보</a:t>
-            </a:r>
-            <a:r>
-              <a:rPr lang="ko-KR" altLang="en-US" sz="1600" dirty="0">
-                <a:effectLst/>
-              </a:rPr>
-              <a:t>는 기온</a:t>
-            </a:r>
-            <a:r>
-              <a:rPr lang="en-US" altLang="ko-KR" sz="1600" dirty="0">
-                <a:effectLst/>
-              </a:rPr>
-              <a:t>, </a:t>
-            </a:r>
-            <a:r>
-              <a:rPr lang="ko-KR" altLang="en-US" sz="1600" dirty="0">
-                <a:effectLst/>
-              </a:rPr>
-              <a:t>습도와 같은 요인의 </a:t>
-            </a:r>
-            <a:r>
-              <a:rPr lang="ko-KR" altLang="en-US" sz="1600" dirty="0" err="1">
-                <a:effectLst/>
-              </a:rPr>
-              <a:t>예측값은</a:t>
-            </a:r>
-            <a:r>
-              <a:rPr lang="ko-KR" altLang="en-US" sz="1600" dirty="0">
-                <a:effectLst/>
-              </a:rPr>
-              <a:t> 제공하나</a:t>
-            </a:r>
-            <a:r>
-              <a:rPr lang="en-US" altLang="ko-KR" sz="1600" dirty="0">
-                <a:effectLst/>
-              </a:rPr>
-              <a:t>, </a:t>
-            </a:r>
-            <a:r>
-              <a:rPr lang="ko-KR" altLang="en-US" sz="1600" b="1" dirty="0">
-                <a:effectLst/>
-              </a:rPr>
-              <a:t>일사량에 대한 </a:t>
-            </a:r>
-            <a:r>
-              <a:rPr lang="ko-KR" altLang="en-US" sz="1600" b="1" dirty="0" err="1">
-                <a:effectLst/>
-              </a:rPr>
-              <a:t>예측값은</a:t>
-            </a:r>
-            <a:r>
-              <a:rPr lang="ko-KR" altLang="en-US" sz="1600" b="1" dirty="0">
-                <a:effectLst/>
-              </a:rPr>
-              <a:t> 제공하지 않음</a:t>
-            </a:r>
-            <a:endParaRPr lang="en-US" altLang="ko-KR" sz="1600" dirty="0">
-              <a:effectLst/>
-            </a:endParaRPr>
-          </a:p>
-          <a:p>
-            <a:pPr marL="285750" indent="-285750">
-              <a:lnSpc>
-                <a:spcPct val="150000"/>
-              </a:lnSpc>
-              <a:buFontTx/>
-              <a:buChar char="-"/>
-            </a:pPr>
-            <a:r>
-              <a:rPr lang="ko-KR" altLang="en-US" sz="1600" dirty="0"/>
-              <a:t>따라서 정확한 단기 일사량 예측 모델이 요구 </a:t>
-            </a:r>
-            <a:r>
-              <a:rPr lang="ko-KR" altLang="en-US" sz="1600" b="1" dirty="0">
-                <a:effectLst/>
-              </a:rPr>
-              <a:t>국내 여러 기관</a:t>
-            </a:r>
-            <a:r>
-              <a:rPr lang="ko-KR" altLang="en-US" sz="1600" dirty="0">
-                <a:effectLst/>
-              </a:rPr>
-              <a:t>에서 </a:t>
-            </a:r>
-            <a:r>
-              <a:rPr lang="ko-KR" altLang="en-US" sz="1600" b="1" dirty="0">
-                <a:effectLst/>
-              </a:rPr>
-              <a:t>기계학습을 기반으로 일사량 예측 모델들을 보고</a:t>
-            </a:r>
-            <a:r>
-              <a:rPr lang="ko-KR" altLang="en-US" sz="1600" dirty="0">
-                <a:effectLst/>
-              </a:rPr>
-              <a:t>를</a:t>
-            </a:r>
-            <a:r>
-              <a:rPr lang="ko-KR" altLang="en-US" sz="1600" b="1" dirty="0">
-                <a:effectLst/>
-              </a:rPr>
-              <a:t> 진행</a:t>
-            </a:r>
-            <a:endParaRPr lang="ko-KR" altLang="en-US" sz="1600" b="1" dirty="0"/>
-          </a:p>
-        </p:txBody>
-      </p:sp>
-      <p:sp>
-        <p:nvSpPr>
-          <p:cNvPr id="7" name="TextBox 6">
-            <a:extLst>
-              <a:ext uri="{FF2B5EF4-FFF2-40B4-BE49-F238E27FC236}">
-                <a16:creationId xmlns:a16="http://schemas.microsoft.com/office/drawing/2014/main" id="{D1C3B947-87DC-5EEA-EB26-82990C6B28E4}"/>
-              </a:ext>
-            </a:extLst>
-          </p:cNvPr>
-          <p:cNvSpPr txBox="1"/>
-          <p:nvPr/>
-        </p:nvSpPr>
-        <p:spPr>
-          <a:xfrm>
-            <a:off x="492575" y="2952391"/>
-            <a:ext cx="1502334" cy="369332"/>
+            <a:off x="430250" y="1178351"/>
+            <a:ext cx="646331" cy="369332"/>
           </a:xfrm>
           <a:prstGeom prst="rect">
             <a:avLst/>
@@ -11427,17 +12066,17 @@
           <a:p>
             <a:r>
               <a:rPr lang="ko-KR" altLang="en-US" b="1" dirty="0"/>
-              <a:t>문제 및 목적</a:t>
+              <a:t>중요</a:t>
             </a:r>
           </a:p>
         </p:txBody>
       </p:sp>
       <p:sp>
         <p:nvSpPr>
-          <p:cNvPr id="11" name="TextBox 10">
-            <a:extLst>
-              <a:ext uri="{FF2B5EF4-FFF2-40B4-BE49-F238E27FC236}">
-                <a16:creationId xmlns:a16="http://schemas.microsoft.com/office/drawing/2014/main" id="{F88BE158-47A2-406A-B12D-058CCABF07AA}"/>
+          <p:cNvPr id="12" name="TextBox 11">
+            <a:extLst>
+              <a:ext uri="{FF2B5EF4-FFF2-40B4-BE49-F238E27FC236}">
+                <a16:creationId xmlns:a16="http://schemas.microsoft.com/office/drawing/2014/main" id="{32CCDBA6-5BD1-4C6D-AF76-50E1128851C9}"/>
               </a:ext>
             </a:extLst>
           </p:cNvPr>
@@ -11446,8 +12085,8 @@
         </p:nvSpPr>
         <p:spPr>
           <a:xfrm>
-            <a:off x="430250" y="1178351"/>
-            <a:ext cx="646331" cy="369332"/>
+            <a:off x="810887" y="1599908"/>
+            <a:ext cx="9135834" cy="783356"/>
           </a:xfrm>
           <a:prstGeom prst="rect">
             <a:avLst/>
@@ -11460,41 +12099,6 @@
           </a:bodyPr>
           <a:lstStyle/>
           <a:p>
-            <a:r>
-              <a:rPr lang="ko-KR" altLang="en-US" b="1" dirty="0"/>
-              <a:t>중요</a:t>
-            </a:r>
-          </a:p>
-        </p:txBody>
-      </p:sp>
-      <p:sp>
-        <p:nvSpPr>
-          <p:cNvPr id="12" name="TextBox 11">
-            <a:extLst>
-              <a:ext uri="{FF2B5EF4-FFF2-40B4-BE49-F238E27FC236}">
-                <a16:creationId xmlns:a16="http://schemas.microsoft.com/office/drawing/2014/main" id="{32CCDBA6-5BD1-4C6D-AF76-50E1128851C9}"/>
-              </a:ext>
-            </a:extLst>
-          </p:cNvPr>
-          <p:cNvSpPr txBox="1"/>
-          <p:nvPr/>
-        </p:nvSpPr>
-        <p:spPr>
-          <a:xfrm>
-            <a:off x="810887" y="1599908"/>
-            <a:ext cx="9135834" cy="783356"/>
-          </a:xfrm>
-          <a:prstGeom prst="rect">
-            <a:avLst/>
-          </a:prstGeom>
-          <a:noFill/>
-        </p:spPr>
-        <p:txBody>
-          <a:bodyPr wrap="none" rtlCol="0">
-            <a:spAutoFit/>
-          </a:bodyPr>
-          <a:lstStyle/>
-          <a:p>
             <a:pPr marL="285750" indent="-285750">
               <a:lnSpc>
                 <a:spcPct val="150000"/>
@@ -11550,6 +12154,13 @@
   <p:clrMapOvr>
     <a:masterClrMapping/>
   </p:clrMapOvr>
+  <p:timing>
+    <p:tnLst>
+      <p:par>
+        <p:cTn id="1" dur="indefinite" restart="never" nodeType="tmRoot"/>
+      </p:par>
+    </p:tnLst>
+  </p:timing>
 </p:sld>
 </file>
 
@@ -11664,15 +12275,6 @@
                 <a:ea typeface="맑은 고딕" panose="020B0503020000020004" pitchFamily="50" charset="-127"/>
               </a:rPr>
               <a:t>기계학습을 활용한 기상예측 자료 기반 태양광 발전량 예측 향상 기법 </a:t>
-            </a:r>
-            <a:r>
-              <a:rPr lang="en-US" altLang="ko-KR" sz="1500" kern="0" spc="-25" dirty="0">
-                <a:solidFill>
-                  <a:srgbClr val="001F60"/>
-                </a:solidFill>
-                <a:ea typeface="맑은 고딕" panose="020B0503020000020004" pitchFamily="50" charset="-127"/>
-              </a:rPr>
-              <a:t>KCI</a:t>
             </a:r>
             <a:endParaRPr kumimoji="0" lang="ko-KR" altLang="en-US" sz="1500" b="1" i="0" u="none" strike="noStrike" kern="0" cap="none" spc="0" normalizeH="0" baseline="0" noProof="0" dirty="0">
               <a:ln>
@@ -11880,9 +12482,9 @@
         <p:grpSpPr>
           <a:xfrm>
             <a:off x="492575" y="3319590"/>
-            <a:ext cx="6958271" cy="880361"/>
+            <a:ext cx="7161852" cy="840093"/>
             <a:chOff x="492575" y="4496793"/>
-            <a:chExt cx="6958271" cy="880361"/>
+            <a:chExt cx="7161852" cy="840093"/>
           </a:xfrm>
         </p:grpSpPr>
         <p:sp>
@@ -11935,7 +12537,7 @@
           <p:spPr>
             <a:xfrm>
               <a:off x="810887" y="4922862"/>
-              <a:ext cx="6639959" cy="454292"/>
+              <a:ext cx="6843540" cy="414024"/>
             </a:xfrm>
             <a:prstGeom prst="rect">
               <a:avLst/>
@@ -11956,30 +12558,34 @@
                 <a:buChar char="-"/>
               </a:pPr>
               <a:r>
-                <a:rPr lang="ko-KR" altLang="en-US" b="1" dirty="0"/>
+                <a:rPr lang="ko-KR" altLang="en-US" sz="1600" b="1" dirty="0"/>
                 <a:t>습도</a:t>
               </a:r>
               <a:r>
-                <a:rPr lang="en-US" altLang="ko-KR" b="1" dirty="0"/>
+                <a:rPr lang="en-US" altLang="ko-KR" sz="1600" b="1" dirty="0"/>
                 <a:t>, </a:t>
               </a:r>
               <a:r>
-                <a:rPr lang="ko-KR" altLang="en-US" b="1" dirty="0"/>
+                <a:rPr lang="ko-KR" altLang="en-US" sz="1600" b="1" dirty="0"/>
                 <a:t>풍속</a:t>
               </a:r>
               <a:r>
-                <a:rPr lang="en-US" altLang="ko-KR" b="1" dirty="0"/>
+                <a:rPr lang="en-US" altLang="ko-KR" sz="1600" b="1" dirty="0"/>
                 <a:t>, </a:t>
               </a:r>
               <a:r>
-                <a:rPr lang="ko-KR" altLang="en-US" b="1" dirty="0"/>
+                <a:rPr lang="ko-KR" altLang="en-US" sz="1600" b="1" dirty="0"/>
                 <a:t>기온</a:t>
               </a:r>
               <a:r>
-                <a:rPr lang="ko-KR" altLang="en-US" dirty="0"/>
-                <a:t> 등이 일사량 예측 모델 구성에 중요한 변수</a:t>
+                <a:rPr lang="ko-KR" altLang="en-US" sz="1600" dirty="0"/>
+                <a:t> 등이 일사량 예측 모델 구성에 중요한 </a:t>
               </a:r>
-              <a:endParaRPr lang="en-US" altLang="ko-KR" dirty="0"/>
+              <a:r>
+                <a:rPr lang="ko-KR" altLang="en-US" sz="1600" dirty="0" smtClean="0"/>
+                <a:t>변수로 확인됨</a:t>
+              </a:r>
+              <a:endParaRPr lang="en-US" altLang="ko-KR" sz="1600" dirty="0"/>
             </a:p>
           </p:txBody>
         </p:sp>
@@ -12070,7 +12676,7 @@
         <p:spPr>
           <a:xfrm>
             <a:off x="810887" y="1599908"/>
-            <a:ext cx="5754396" cy="1285288"/>
+            <a:ext cx="5171993" cy="1152688"/>
           </a:xfrm>
           <a:prstGeom prst="rect">
             <a:avLst/>
@@ -12091,19 +12697,19 @@
               <a:buChar char="-"/>
             </a:pPr>
             <a:r>
-              <a:rPr lang="ko-KR" altLang="en-US" b="1" dirty="0"/>
+              <a:rPr lang="ko-KR" altLang="en-US" sz="1600" b="1" dirty="0"/>
               <a:t>랜덤 </a:t>
             </a:r>
             <a:r>
-              <a:rPr lang="ko-KR" altLang="en-US" b="1" dirty="0" err="1"/>
+              <a:rPr lang="ko-KR" altLang="en-US" sz="1600" b="1" dirty="0" err="1"/>
               <a:t>포레스트</a:t>
             </a:r>
             <a:r>
-              <a:rPr lang="ko-KR" altLang="en-US" b="1" dirty="0"/>
+              <a:rPr lang="ko-KR" altLang="en-US" sz="1600" b="1" dirty="0"/>
               <a:t> </a:t>
             </a:r>
             <a:r>
-              <a:rPr lang="en-US" altLang="ko-KR" b="1" dirty="0"/>
+              <a:rPr lang="en-US" altLang="ko-KR" sz="1600" b="1" dirty="0"/>
               <a:t>( Random Forest RF )</a:t>
             </a:r>
           </a:p>
@@ -12116,11 +12722,11 @@
               <a:buChar char="-"/>
             </a:pPr>
             <a:r>
-              <a:rPr lang="ko-KR" altLang="en-US" dirty="0"/>
+              <a:rPr lang="ko-KR" altLang="en-US" sz="1600" dirty="0"/>
               <a:t>서포트 벡터 머신 </a:t>
             </a:r>
             <a:r>
-              <a:rPr lang="en-US" altLang="ko-KR" dirty="0"/>
+              <a:rPr lang="en-US" altLang="ko-KR" sz="1600" dirty="0"/>
               <a:t>( Support Vector Machine SVM )</a:t>
             </a:r>
           </a:p>
@@ -12133,13 +12739,47 @@
               <a:buChar char="-"/>
             </a:pPr>
             <a:r>
-              <a:rPr lang="ko-KR" altLang="en-US" dirty="0"/>
+              <a:rPr lang="ko-KR" altLang="en-US" sz="1600" dirty="0"/>
               <a:t>인공 신경망</a:t>
             </a:r>
             <a:r>
-              <a:rPr lang="en-US" altLang="ko-KR" dirty="0"/>
+              <a:rPr lang="en-US" altLang="ko-KR" sz="1600" dirty="0"/>
               <a:t> ( Artificial Neural Network ANN )</a:t>
             </a:r>
+          </a:p>
+        </p:txBody>
+      </p:sp>
+      <p:sp>
+        <p:nvSpPr>
+          <p:cNvPr id="2" name="TextBox 1"/>
+          <p:cNvSpPr txBox="1"/>
+          <p:nvPr/>
+        </p:nvSpPr>
+        <p:spPr>
+          <a:xfrm>
+            <a:off x="8010800" y="4863626"/>
+            <a:ext cx="3835575" cy="323165"/>
+          </a:xfrm>
+          <a:prstGeom prst="rect">
+            <a:avLst/>
+          </a:prstGeom>
+          <a:noFill/>
+        </p:spPr>
+        <p:txBody>
+          <a:bodyPr wrap="square" rtlCol="0">
+            <a:spAutoFit/>
+          </a:bodyPr>
+          <a:lstStyle/>
+          <a:p>
+            <a:r>
+              <a:rPr lang="en-US" altLang="ko-KR" sz="1500" b="1" dirty="0" smtClean="0"/>
+              <a:t>Figure1. Random Forest </a:t>
+            </a:r>
+            <a:r>
+              <a:rPr lang="ko-KR" altLang="en-US" sz="1500" b="1" dirty="0" err="1" smtClean="0"/>
+              <a:t>ㅇㅇ</a:t>
+            </a:r>
+            <a:endParaRPr lang="ko-KR" altLang="en-US" sz="1500" b="1" dirty="0"/>
           </a:p>
         </p:txBody>
       </p:sp>
@@ -12470,10 +13110,10 @@
         </p:nvGrpSpPr>
         <p:grpSpPr>
           <a:xfrm>
-            <a:off x="6949174" y="1233491"/>
-            <a:ext cx="4431939" cy="732834"/>
+            <a:off x="492575" y="3352920"/>
+            <a:ext cx="4024776" cy="692566"/>
             <a:chOff x="492575" y="3591280"/>
-            <a:chExt cx="4431939" cy="732834"/>
+            <a:chExt cx="4024776" cy="692566"/>
           </a:xfrm>
         </p:grpSpPr>
         <p:sp>
@@ -12505,7 +13145,7 @@
             <a:lstStyle/>
             <a:p>
               <a:r>
-                <a:rPr lang="ko-KR" altLang="en-US" b="1"/>
+                <a:rPr lang="ko-KR" altLang="en-US" b="1" dirty="0"/>
                 <a:t>변수 중요도</a:t>
               </a:r>
             </a:p>
@@ -12526,7 +13166,7 @@
           <p:spPr>
             <a:xfrm>
               <a:off x="810887" y="3869822"/>
-              <a:ext cx="4113627" cy="454292"/>
+              <a:ext cx="3706464" cy="414024"/>
             </a:xfrm>
             <a:prstGeom prst="rect">
               <a:avLst/>
@@ -12547,14 +13187,14 @@
                 <a:buChar char="-"/>
               </a:pPr>
               <a:r>
-                <a:rPr lang="ko-KR" altLang="en-US" b="1" dirty="0"/>
+                <a:rPr lang="ko-KR" altLang="en-US" sz="1600" b="1" dirty="0"/>
                 <a:t>습도 </a:t>
               </a:r>
               <a:r>
-                <a:rPr lang="ko-KR" altLang="en-US" dirty="0"/>
+                <a:rPr lang="ko-KR" altLang="en-US" sz="1600" dirty="0"/>
                 <a:t>예측 모델 구성에 중요한 변수</a:t>
               </a:r>
-              <a:endParaRPr lang="en-US" altLang="ko-KR" dirty="0"/>
+              <a:endParaRPr lang="en-US" altLang="ko-KR" sz="1600" dirty="0"/>
             </a:p>
           </p:txBody>
         </p:sp>
@@ -12581,13 +13221,13 @@
               </a:ext>
             </a:extLst>
           </a:blip>
-          <a:srcRect l="1355" r="1924" b="5950"/>
+          <a:srcRect l="59093" r="1924" b="5950"/>
           <a:stretch/>
         </p:blipFill>
         <p:spPr>
           <a:xfrm>
-            <a:off x="1517927" y="3649425"/>
-            <a:ext cx="9178445" cy="2411054"/>
+            <a:off x="6625142" y="4364296"/>
+            <a:ext cx="2894482" cy="1886475"/>
           </a:xfrm>
           <a:prstGeom prst="rect">
             <a:avLst/>
@@ -12644,7 +13284,7 @@
         <p:spPr>
           <a:xfrm>
             <a:off x="810887" y="1599908"/>
-            <a:ext cx="4598054" cy="1700787"/>
+            <a:ext cx="4143507" cy="1522020"/>
           </a:xfrm>
           <a:prstGeom prst="rect">
             <a:avLst/>
@@ -12665,19 +13305,19 @@
               <a:buChar char="-"/>
             </a:pPr>
             <a:r>
-              <a:rPr lang="ko-KR" altLang="en-US" dirty="0"/>
+              <a:rPr lang="ko-KR" altLang="en-US" sz="1600" dirty="0"/>
               <a:t>랜덤 </a:t>
             </a:r>
             <a:r>
-              <a:rPr lang="ko-KR" altLang="en-US" dirty="0" err="1"/>
+              <a:rPr lang="ko-KR" altLang="en-US" sz="1600" dirty="0" err="1"/>
               <a:t>포레스트</a:t>
             </a:r>
             <a:r>
-              <a:rPr lang="ko-KR" altLang="en-US" dirty="0"/>
+              <a:rPr lang="ko-KR" altLang="en-US" sz="1600" dirty="0"/>
               <a:t> </a:t>
             </a:r>
             <a:r>
-              <a:rPr lang="en-US" altLang="ko-KR" dirty="0"/>
+              <a:rPr lang="en-US" altLang="ko-KR" sz="1600" dirty="0"/>
               <a:t>( Random Forest RF )</a:t>
             </a:r>
           </a:p>
@@ -12690,7 +13330,7 @@
               <a:buChar char="-"/>
             </a:pPr>
             <a:r>
-              <a:rPr lang="en-US" altLang="ko-KR" dirty="0"/>
+              <a:rPr lang="en-US" altLang="ko-KR" sz="1600" dirty="0"/>
               <a:t>GBM ( Gradient Boosting Machine )</a:t>
             </a:r>
           </a:p>
@@ -12703,19 +13343,19 @@
               <a:buChar char="-"/>
             </a:pPr>
             <a:r>
-              <a:rPr lang="en-US" altLang="ko-KR" dirty="0" err="1"/>
+              <a:rPr lang="en-US" altLang="ko-KR" sz="1600" dirty="0" err="1"/>
               <a:t>XGBoost</a:t>
             </a:r>
             <a:r>
-              <a:rPr lang="en-US" altLang="ko-KR" dirty="0"/>
+              <a:rPr lang="en-US" altLang="ko-KR" sz="1600" dirty="0"/>
               <a:t> ( </a:t>
             </a:r>
             <a:r>
-              <a:rPr lang="en-US" altLang="ko-KR" dirty="0" err="1"/>
+              <a:rPr lang="en-US" altLang="ko-KR" sz="1600" dirty="0" err="1"/>
               <a:t>eXtreme</a:t>
             </a:r>
             <a:r>
-              <a:rPr lang="en-US" altLang="ko-KR" dirty="0"/>
+              <a:rPr lang="en-US" altLang="ko-KR" sz="1600" dirty="0"/>
               <a:t> Gradient Boosting )</a:t>
             </a:r>
           </a:p>
@@ -12728,16 +13368,51 @@
               <a:buChar char="-"/>
             </a:pPr>
             <a:r>
-              <a:rPr lang="en-US" altLang="ko-KR" b="1" dirty="0" err="1"/>
+              <a:rPr lang="en-US" altLang="ko-KR" sz="1600" b="1" dirty="0" err="1"/>
               <a:t>LightGBM</a:t>
             </a:r>
             <a:r>
-              <a:rPr lang="en-US" altLang="ko-KR" b="1" dirty="0"/>
+              <a:rPr lang="en-US" altLang="ko-KR" sz="1600" b="1" dirty="0"/>
               <a:t> ( Light GBM ) </a:t>
             </a:r>
           </a:p>
         </p:txBody>
       </p:sp>
+      <p:pic>
+        <p:nvPicPr>
+          <p:cNvPr id="14" name="그림 13">
+            <a:extLst>
+              <a:ext uri="{FF2B5EF4-FFF2-40B4-BE49-F238E27FC236}">
+                <a16:creationId xmlns:a16="http://schemas.microsoft.com/office/drawing/2014/main" id="{79F0A642-3030-ABE9-D9F9-72EA46AE5635}"/>
+              </a:ext>
+            </a:extLst>
+          </p:cNvPr>
+          <p:cNvPicPr>
+            <a:picLocks noChangeAspect="1"/>
+          </p:cNvPicPr>
+          <p:nvPr/>
+        </p:nvPicPr>
+        <p:blipFill rotWithShape="1">
+          <a:blip r:embed="rId4">
+            <a:extLst>
+              <a:ext uri="{28A0092B-C50C-407E-A947-70E740481C1C}">
+                <a14:useLocalDpi xmlns:a14="http://schemas.microsoft.com/office/drawing/2010/main" val="0"/>
+              </a:ext>
+            </a:extLst>
+          </a:blip>
+          <a:srcRect l="1355" r="50530" b="5950"/>
+          <a:stretch/>
+        </p:blipFill>
+        <p:spPr>
+          <a:xfrm>
+            <a:off x="2937668" y="4343301"/>
+            <a:ext cx="3371878" cy="1780546"/>
+          </a:xfrm>
+          <a:prstGeom prst="rect">
+            <a:avLst/>
+          </a:prstGeom>
+        </p:spPr>
+      </p:pic>
     </p:spTree>
     <p:extLst>
       <p:ext uri="{BB962C8B-B14F-4D97-AF65-F5344CB8AC3E}">
@@ -12748,6 +13423,13 @@
   <p:clrMapOvr>
     <a:masterClrMapping/>
   </p:clrMapOvr>
+  <p:timing>
+    <p:tnLst>
+      <p:par>
+        <p:cTn id="1" dur="indefinite" restart="never" nodeType="tmRoot"/>
+      </p:par>
+    </p:tnLst>
+  </p:timing>
 </p:sld>
 </file>
 
@@ -13044,4 +13726,265 @@
     </a:ext>
   </a:extLst>
 </a:theme>
+</file>
+
+<file path=ppt/theme/theme2.xml><?xml version="1.0" encoding="utf-8"?>
+<a:theme xmlns:a="http://schemas.openxmlformats.org/drawingml/2006/main" name="Office 테마">
+  <a:themeElements>
+    <a:clrScheme name="Office">
+      <a:dk1>
+        <a:sysClr val="windowText" lastClr="000000"/>
+      </a:dk1>
+      <a:lt1>
+        <a:sysClr val="window" lastClr="FFFFFF"/>
+      </a:lt1>
+      <a:dk2>
+        <a:srgbClr val="44546A"/>
+      </a:dk2>
+      <a:lt2>
+        <a:srgbClr val="E7E6E6"/>
+      </a:lt2>
+      <a:accent1>
+        <a:srgbClr val="5B9BD5"/>
+      </a:accent1>
+      <a:accent2>
+        <a:srgbClr val="ED7D31"/>
+      </a:accent2>
+      <a:accent3>
+        <a:srgbClr val="A5A5A5"/>
+      </a:accent3>
+      <a:accent4>
+        <a:srgbClr val="FFC000"/>
+      </a:accent4>
+      <a:accent5>
+        <a:srgbClr val="4472C4"/>
+      </a:accent5>
+      <a:accent6>
+        <a:srgbClr val="70AD47"/>
+      </a:accent6>
+      <a:hlink>
+        <a:srgbClr val="0563C1"/>
+      </a:hlink>
+      <a:folHlink>
+        <a:srgbClr val="954F72"/>
+      </a:folHlink>
+    </a:clrScheme>
+    <a:fontScheme name="Office">
+      <a:majorFont>
+        <a:latin typeface="맑은 고딕" panose="020F0302020204030204"/>
+        <a:ea typeface=""/>
+        <a:cs typeface=""/>
+        <a:font script="Jpan" typeface="游ゴシック Light"/>
+        <a:font script="Hang" typeface="맑은 고딕"/>
+        <a:font script="Hans" typeface="等线 Light"/>
+        <a:font script="Hant" typeface="新細明體"/>
+        <a:font script="Arab" typeface="Times New Roman"/>
+        <a:font script="Hebr" typeface="Times New Roman"/>
+        <a:font script="Thai" typeface="Angsana New"/>
+        <a:font script="Ethi" typeface="Nyala"/>
+        <a:font script="Beng" typeface="Vrinda"/>
+        <a:font script="Gujr" typeface="Shruti"/>
+        <a:font script="Khmr" typeface="MoolBoran"/>
+        <a:font script="Knda" typeface="Tunga"/>
+        <a:font script="Guru" typeface="Raavi"/>
+        <a:font script="Cans" typeface="Euphemia"/>
+        <a:font script="Cher" typeface="Plantagenet Cherokee"/>
+        <a:font script="Yiii" typeface="Microsoft Yi Baiti"/>
+        <a:font script="Tibt" typeface="Microsoft Himalaya"/>
+        <a:font script="Thaa" typeface="MV Boli"/>
+        <a:font script="Deva" typeface="Mangal"/>
+        <a:font script="Telu" typeface="Gautami"/>
+        <a:font script="Taml" typeface="Latha"/>
+        <a:font script="Syrc" typeface="Estrangelo Edessa"/>
+        <a:font script="Orya" typeface="Kalinga"/>
+        <a:font script="Mlym" typeface="Kartika"/>
+        <a:font script="Laoo" typeface="DokChampa"/>
+        <a:font script="Sinh" typeface="Iskoola Pota"/>
+        <a:font script="Mong" typeface="Mongolian Baiti"/>
+        <a:font script="Viet" typeface="Times New Roman"/>
+        <a:font script="Uigh" typeface="Microsoft Uighur"/>
+        <a:font script="Geor" typeface="Sylfaen"/>
+      </a:majorFont>
+      <a:minorFont>
+        <a:latin typeface="맑은 고딕" panose="020F0502020204030204"/>
+        <a:ea typeface=""/>
+        <a:cs typeface=""/>
+        <a:font script="Jpan" typeface="游ゴシック"/>
+        <a:font script="Hang" typeface="맑은 고딕"/>
+        <a:font script="Hans" typeface="等线"/>
+        <a:font script="Hant" typeface="新細明體"/>
+        <a:font script="Arab" typeface="Arial"/>
+        <a:font script="Hebr" typeface="Arial"/>
+        <a:font script="Thai" typeface="Cordia New"/>
+        <a:font script="Ethi" typeface="Nyala"/>
+        <a:font script="Beng" typeface="Vrinda"/>
+        <a:font script="Gujr" typeface="Shruti"/>
+        <a:font script="Khmr" typeface="DaunPenh"/>
+        <a:font script="Knda" typeface="Tunga"/>
+        <a:font script="Guru" typeface="Raavi"/>
+        <a:font script="Cans" typeface="Euphemia"/>
+        <a:font script="Cher" typeface="Plantagenet Cherokee"/>
+        <a:font script="Yiii" typeface="Microsoft Yi Baiti"/>
+        <a:font script="Tibt" typeface="Microsoft Himalaya"/>
+        <a:font script="Thaa" typeface="MV Boli"/>
+        <a:font script="Deva" typeface="Mangal"/>
+        <a:font script="Telu" typeface="Gautami"/>
+        <a:font script="Taml" typeface="Latha"/>
+        <a:font script="Syrc" typeface="Estrangelo Edessa"/>
+        <a:font script="Orya" typeface="Kalinga"/>
+        <a:font script="Mlym" typeface="Kartika"/>
+        <a:font script="Laoo" typeface="DokChampa"/>
+        <a:font script="Sinh" typeface="Iskoola Pota"/>
+        <a:font script="Mong" typeface="Mongolian Baiti"/>
+        <a:font script="Viet" typeface="Arial"/>
+        <a:font script="Uigh" typeface="Microsoft Uighur"/>
+        <a:font script="Geor" typeface="Sylfaen"/>
+      </a:minorFont>
+    </a:fontScheme>
+    <a:fmtScheme name="Office">
+      <a:fillStyleLst>
+        <a:solidFill>
+          <a:schemeClr val="phClr"/>
+        </a:solidFill>
+        <a:gradFill rotWithShape="1">
+          <a:gsLst>
+            <a:gs pos="0">
+              <a:schemeClr val="phClr">
+                <a:lumMod val="110000"/>
+                <a:satMod val="105000"/>
+                <a:tint val="67000"/>
+              </a:schemeClr>
+            </a:gs>
+            <a:gs pos="50000">
+              <a:schemeClr val="phClr">
+                <a:lumMod val="105000"/>
+                <a:satMod val="103000"/>
+                <a:tint val="73000"/>
+              </a:schemeClr>
+            </a:gs>
+            <a:gs pos="100000">
+              <a:schemeClr val="phClr">
+                <a:lumMod val="105000"/>
+                <a:satMod val="109000"/>
+                <a:tint val="81000"/>
+              </a:schemeClr>
+            </a:gs>
+          </a:gsLst>
+          <a:lin ang="5400000" scaled="0"/>
+        </a:gradFill>
+        <a:gradFill rotWithShape="1">
+          <a:gsLst>
+            <a:gs pos="0">
+              <a:schemeClr val="phClr">
+                <a:satMod val="103000"/>
+                <a:lumMod val="102000"/>
+                <a:tint val="94000"/>
+              </a:schemeClr>
+            </a:gs>
+            <a:gs pos="50000">
+              <a:schemeClr val="phClr">
+                <a:satMod val="110000"/>
+                <a:lumMod val="100000"/>
+                <a:shade val="100000"/>
+              </a:schemeClr>
+            </a:gs>
+            <a:gs pos="100000">
+              <a:schemeClr val="phClr">
+                <a:lumMod val="99000"/>
+                <a:satMod val="120000"/>
+                <a:shade val="78000"/>
+              </a:schemeClr>
+            </a:gs>
+          </a:gsLst>
+          <a:lin ang="5400000" scaled="0"/>
+        </a:gradFill>
+      </a:fillStyleLst>
+      <a:lnStyleLst>
+        <a:ln w="6350" cap="flat" cmpd="sng" algn="ctr">
+          <a:solidFill>
+            <a:schemeClr val="phClr"/>
+          </a:solidFill>
+          <a:prstDash val="solid"/>
+          <a:miter lim="800000"/>
+        </a:ln>
+        <a:ln w="12700" cap="flat" cmpd="sng" algn="ctr">
+          <a:solidFill>
+            <a:schemeClr val="phClr"/>
+          </a:solidFill>
+          <a:prstDash val="solid"/>
+          <a:miter lim="800000"/>
+        </a:ln>
+        <a:ln w="19050" cap="flat" cmpd="sng" algn="ctr">
+          <a:solidFill>
+            <a:schemeClr val="phClr"/>
+          </a:solidFill>
+          <a:prstDash val="solid"/>
+          <a:miter lim="800000"/>
+        </a:ln>
+      </a:lnStyleLst>
+      <a:effectStyleLst>
+        <a:effectStyle>
+          <a:effectLst/>
+        </a:effectStyle>
+        <a:effectStyle>
+          <a:effectLst/>
+        </a:effectStyle>
+        <a:effectStyle>
+          <a:effectLst>
+            <a:outerShdw blurRad="57150" dist="19050" dir="5400000" algn="ctr" rotWithShape="0">
+              <a:srgbClr val="000000">
+                <a:alpha val="63000"/>
+              </a:srgbClr>
+            </a:outerShdw>
+          </a:effectLst>
+        </a:effectStyle>
+      </a:effectStyleLst>
+      <a:bgFillStyleLst>
+        <a:solidFill>
+          <a:schemeClr val="phClr"/>
+        </a:solidFill>
+        <a:solidFill>
+          <a:schemeClr val="phClr">
+            <a:tint val="95000"/>
+            <a:satMod val="170000"/>
+          </a:schemeClr>
+        </a:solidFill>
+        <a:gradFill rotWithShape="1">
+          <a:gsLst>
+            <a:gs pos="0">
+              <a:schemeClr val="phClr">
+                <a:tint val="93000"/>
+                <a:satMod val="150000"/>
+                <a:shade val="98000"/>
+                <a:lumMod val="102000"/>
+              </a:schemeClr>
+            </a:gs>
+            <a:gs pos="50000">
+              <a:schemeClr val="phClr">
+                <a:tint val="98000"/>
+                <a:satMod val="130000"/>
+                <a:shade val="90000"/>
+                <a:lumMod val="103000"/>
+              </a:schemeClr>
+            </a:gs>
+            <a:gs pos="100000">
+              <a:schemeClr val="phClr">
+                <a:shade val="63000"/>
+                <a:satMod val="120000"/>
+              </a:schemeClr>
+            </a:gs>
+          </a:gsLst>
+          <a:lin ang="5400000" scaled="0"/>
+        </a:gradFill>
+      </a:bgFillStyleLst>
+    </a:fmtScheme>
+  </a:themeElements>
+  <a:objectDefaults/>
+  <a:extraClrSchemeLst/>
+  <a:extLst>
+    <a:ext uri="{05A4C25C-085E-4340-85A3-A5531E510DB2}">
+      <thm15:themeFamily xmlns:thm15="http://schemas.microsoft.com/office/thememl/2012/main" name="Office Theme" id="{62F939B6-93AF-4DB8-9C6B-D6C7DFDC589F}" vid="{4A3C46E8-61CC-4603-A589-7422A47A8E4A}"/>
+    </a:ext>
+  </a:extLst>
+</a:theme>
 </file>